--- a/automating-excel-with-python.pptx
+++ b/automating-excel-with-python.pptx
@@ -6734,7 +6734,7 @@
         <p:spPr>
           <a:xfrm>
             <a:off x="462988" y="1365813"/>
-            <a:ext cx="8471462" cy="4401205"/>
+            <a:ext cx="8471462" cy="1384995"/>
           </a:xfrm>
           <a:prstGeom prst="rect">
             <a:avLst/>
@@ -6758,7 +6758,7 @@
                 </a:solidFill>
                 <a:latin typeface="Pragmatica" panose="020B0403040502020204" pitchFamily="34" charset="0"/>
               </a:rPr>
-              <a:t>Download resources: </a:t>
+              <a:t>Resources: </a:t>
             </a:r>
             <a:r>
               <a:rPr lang="en-US" sz="2800" dirty="0">
@@ -6780,103 +6780,8 @@
               <a:t>  </a:t>
             </a:r>
           </a:p>
-          <a:p>
-            <a:pPr marL="285750" indent="-285750">
-              <a:buFont typeface="Arial" panose="020B0604020202020204" pitchFamily="34" charset="0"/>
-              <a:buChar char="•"/>
-            </a:pPr>
-            <a:r>
-              <a:rPr lang="en-US" sz="2800" dirty="0">
-                <a:solidFill>
-                  <a:srgbClr val="707070"/>
-                </a:solidFill>
-                <a:latin typeface="Pragmatica" panose="020B0403040502020204" pitchFamily="34" charset="0"/>
-              </a:rPr>
-              <a:t>Click through this link now to run during presentation:</a:t>
-            </a:r>
-          </a:p>
-          <a:p>
-            <a:pPr marL="285750" indent="-285750">
-              <a:buFont typeface="Arial" panose="020B0604020202020204" pitchFamily="34" charset="0"/>
-              <a:buChar char="•"/>
-            </a:pPr>
-            <a:endParaRPr lang="en-US" sz="2800" dirty="0">
-              <a:solidFill>
-                <a:srgbClr val="707070"/>
-              </a:solidFill>
-              <a:latin typeface="Pragmatica" panose="020B0403040502020204" pitchFamily="34" charset="0"/>
-            </a:endParaRPr>
-          </a:p>
-          <a:p>
-            <a:pPr marL="285750" indent="-285750">
-              <a:buFont typeface="Arial" panose="020B0604020202020204" pitchFamily="34" charset="0"/>
-              <a:buChar char="•"/>
-            </a:pPr>
-            <a:endParaRPr lang="en-US" sz="2800" dirty="0">
-              <a:solidFill>
-                <a:srgbClr val="707070"/>
-              </a:solidFill>
-              <a:latin typeface="Pragmatica" panose="020B0403040502020204" pitchFamily="34" charset="0"/>
-            </a:endParaRPr>
-          </a:p>
-          <a:p>
-            <a:endParaRPr lang="en-US" sz="2800" dirty="0">
-              <a:solidFill>
-                <a:srgbClr val="707070"/>
-              </a:solidFill>
-              <a:latin typeface="Pragmatica" panose="020B0403040502020204" pitchFamily="34" charset="0"/>
-            </a:endParaRPr>
-          </a:p>
-          <a:p>
-            <a:endParaRPr lang="en-US" sz="2800" dirty="0">
-              <a:solidFill>
-                <a:srgbClr val="707070"/>
-              </a:solidFill>
-              <a:latin typeface="Pragmatica" panose="020B0403040502020204" pitchFamily="34" charset="0"/>
-            </a:endParaRPr>
-          </a:p>
-          <a:p>
-            <a:r>
-              <a:rPr lang="en-US" sz="2800" dirty="0">
-                <a:solidFill>
-                  <a:srgbClr val="707070"/>
-                </a:solidFill>
-                <a:latin typeface="Pragmatica" panose="020B0403040502020204" pitchFamily="34" charset="0"/>
-              </a:rPr>
-              <a:t>(this could take some time so feel free to ask questions now)…</a:t>
-            </a:r>
-          </a:p>
-        </p:txBody>
-      </p:sp>
-      <p:pic>
-        <p:nvPicPr>
-          <p:cNvPr id="4" name="Picture 3">
-            <a:extLst>
-              <a:ext uri="{FF2B5EF4-FFF2-40B4-BE49-F238E27FC236}">
-                <a16:creationId xmlns:a16="http://schemas.microsoft.com/office/drawing/2014/main" id="{F51C6B1B-A060-47A7-9AD8-3F6C3CE0AD77}"/>
-              </a:ext>
-            </a:extLst>
-          </p:cNvPr>
-          <p:cNvPicPr>
-            <a:picLocks noChangeAspect="1"/>
-          </p:cNvPicPr>
-          <p:nvPr/>
-        </p:nvPicPr>
-        <p:blipFill rotWithShape="1">
-          <a:blip r:embed="rId5"/>
-          <a:srcRect t="43450"/>
-          <a:stretch/>
-        </p:blipFill>
-        <p:spPr>
-          <a:xfrm>
-            <a:off x="2236448" y="3429000"/>
-            <a:ext cx="5780952" cy="953261"/>
-          </a:xfrm>
-          <a:prstGeom prst="rect">
-            <a:avLst/>
-          </a:prstGeom>
-        </p:spPr>
-      </p:pic>
+        </p:txBody>
+      </p:sp>
     </p:spTree>
     <p:extLst>
       <p:ext uri="{BB962C8B-B14F-4D97-AF65-F5344CB8AC3E}">

--- a/automating-excel-with-python.pptx
+++ b/automating-excel-with-python.pptx
@@ -5,20 +5,23 @@
     <p:sldMasterId id="2147483648" r:id="rId1"/>
   </p:sldMasterIdLst>
   <p:notesMasterIdLst>
-    <p:notesMasterId r:id="rId13"/>
+    <p:notesMasterId r:id="rId16"/>
   </p:notesMasterIdLst>
   <p:sldIdLst>
     <p:sldId id="256" r:id="rId2"/>
-    <p:sldId id="360" r:id="rId3"/>
-    <p:sldId id="361" r:id="rId4"/>
+    <p:sldId id="363" r:id="rId3"/>
+    <p:sldId id="330" r:id="rId4"/>
     <p:sldId id="258" r:id="rId5"/>
-    <p:sldId id="330" r:id="rId6"/>
+    <p:sldId id="364" r:id="rId6"/>
     <p:sldId id="362" r:id="rId7"/>
     <p:sldId id="348" r:id="rId8"/>
     <p:sldId id="306" r:id="rId9"/>
-    <p:sldId id="338" r:id="rId10"/>
-    <p:sldId id="355" r:id="rId11"/>
-    <p:sldId id="336" r:id="rId12"/>
+    <p:sldId id="305" r:id="rId10"/>
+    <p:sldId id="413" r:id="rId11"/>
+    <p:sldId id="355" r:id="rId12"/>
+    <p:sldId id="400" r:id="rId13"/>
+    <p:sldId id="404" r:id="rId14"/>
+    <p:sldId id="336" r:id="rId15"/>
   </p:sldIdLst>
   <p:sldSz cx="12192000" cy="6858000"/>
   <p:notesSz cx="6858000" cy="9144000"/>
@@ -1837,7 +1840,7 @@
           <a:p>
             <a:fld id="{4A469429-6ED5-4301-866D-519E2D1EB5BF}" type="datetimeFigureOut">
               <a:rPr lang="en-US" smtClean="0"/>
-              <a:t>7/2/2023</a:t>
+              <a:t>7/26/2023</a:t>
             </a:fld>
             <a:endParaRPr lang="en-US"/>
           </a:p>
@@ -2191,6 +2194,186 @@
 </p:notes>
 </file>
 
+<file path=ppt/notesSlides/notesSlide10.xml><?xml version="1.0" encoding="utf-8"?>
+<p:notes xmlns:a="http://schemas.openxmlformats.org/drawingml/2006/main" xmlns:r="http://schemas.openxmlformats.org/officeDocument/2006/relationships" xmlns:p="http://schemas.openxmlformats.org/presentationml/2006/main">
+  <p:cSld>
+    <p:spTree>
+      <p:nvGrpSpPr>
+        <p:cNvPr id="1" name=""/>
+        <p:cNvGrpSpPr/>
+        <p:nvPr/>
+      </p:nvGrpSpPr>
+      <p:grpSpPr>
+        <a:xfrm>
+          <a:off x="0" y="0"/>
+          <a:ext cx="0" cy="0"/>
+          <a:chOff x="0" y="0"/>
+          <a:chExt cx="0" cy="0"/>
+        </a:xfrm>
+      </p:grpSpPr>
+      <p:sp>
+        <p:nvSpPr>
+          <p:cNvPr id="2" name="Slide Image Placeholder 1"/>
+          <p:cNvSpPr>
+            <a:spLocks noGrp="1" noRot="1" noChangeAspect="1"/>
+          </p:cNvSpPr>
+          <p:nvPr>
+            <p:ph type="sldImg"/>
+          </p:nvPr>
+        </p:nvSpPr>
+        <p:spPr/>
+      </p:sp>
+      <p:sp>
+        <p:nvSpPr>
+          <p:cNvPr id="3" name="Notes Placeholder 2"/>
+          <p:cNvSpPr>
+            <a:spLocks noGrp="1"/>
+          </p:cNvSpPr>
+          <p:nvPr>
+            <p:ph type="body" idx="1"/>
+          </p:nvPr>
+        </p:nvSpPr>
+        <p:spPr/>
+        <p:txBody>
+          <a:bodyPr/>
+          <a:lstStyle/>
+          <a:p>
+            <a:r>
+              <a:rPr lang="en-US" dirty="0"/>
+              <a:t>I’m a data analyst give me data on how I did</a:t>
+            </a:r>
+          </a:p>
+          <a:p>
+            <a:r>
+              <a:rPr lang="en-US" dirty="0"/>
+              <a:t>Testimonials also VERY helpful. </a:t>
+            </a:r>
+          </a:p>
+        </p:txBody>
+      </p:sp>
+      <p:sp>
+        <p:nvSpPr>
+          <p:cNvPr id="4" name="Slide Number Placeholder 3"/>
+          <p:cNvSpPr>
+            <a:spLocks noGrp="1"/>
+          </p:cNvSpPr>
+          <p:nvPr>
+            <p:ph type="sldNum" sz="quarter" idx="5"/>
+          </p:nvPr>
+        </p:nvSpPr>
+        <p:spPr/>
+        <p:txBody>
+          <a:bodyPr/>
+          <a:lstStyle/>
+          <a:p>
+            <a:fld id="{FFB500C5-13F7-48FC-8160-C29AECF6C602}" type="slidenum">
+              <a:rPr lang="en-US" smtClean="0"/>
+              <a:t>12</a:t>
+            </a:fld>
+            <a:endParaRPr lang="en-US"/>
+          </a:p>
+        </p:txBody>
+      </p:sp>
+    </p:spTree>
+    <p:extLst>
+      <p:ext uri="{BB962C8B-B14F-4D97-AF65-F5344CB8AC3E}">
+        <p14:creationId xmlns:p14="http://schemas.microsoft.com/office/powerpoint/2010/main" val="3125451817"/>
+      </p:ext>
+    </p:extLst>
+  </p:cSld>
+  <p:clrMapOvr>
+    <a:masterClrMapping/>
+  </p:clrMapOvr>
+</p:notes>
+</file>
+
+<file path=ppt/notesSlides/notesSlide11.xml><?xml version="1.0" encoding="utf-8"?>
+<p:notes xmlns:a="http://schemas.openxmlformats.org/drawingml/2006/main" xmlns:r="http://schemas.openxmlformats.org/officeDocument/2006/relationships" xmlns:p="http://schemas.openxmlformats.org/presentationml/2006/main">
+  <p:cSld>
+    <p:spTree>
+      <p:nvGrpSpPr>
+        <p:cNvPr id="1" name=""/>
+        <p:cNvGrpSpPr/>
+        <p:nvPr/>
+      </p:nvGrpSpPr>
+      <p:grpSpPr>
+        <a:xfrm>
+          <a:off x="0" y="0"/>
+          <a:ext cx="0" cy="0"/>
+          <a:chOff x="0" y="0"/>
+          <a:chExt cx="0" cy="0"/>
+        </a:xfrm>
+      </p:grpSpPr>
+      <p:sp>
+        <p:nvSpPr>
+          <p:cNvPr id="2" name="Slide Image Placeholder 1"/>
+          <p:cNvSpPr>
+            <a:spLocks noGrp="1" noRot="1" noChangeAspect="1"/>
+          </p:cNvSpPr>
+          <p:nvPr>
+            <p:ph type="sldImg"/>
+          </p:nvPr>
+        </p:nvSpPr>
+        <p:spPr/>
+      </p:sp>
+      <p:sp>
+        <p:nvSpPr>
+          <p:cNvPr id="3" name="Notes Placeholder 2"/>
+          <p:cNvSpPr>
+            <a:spLocks noGrp="1"/>
+          </p:cNvSpPr>
+          <p:nvPr>
+            <p:ph type="body" idx="1"/>
+          </p:nvPr>
+        </p:nvSpPr>
+        <p:spPr/>
+        <p:txBody>
+          <a:bodyPr/>
+          <a:lstStyle/>
+          <a:p>
+            <a:r>
+              <a:rPr lang="en-US" dirty="0"/>
+              <a:t>Any questions on descriptive statistics? </a:t>
+            </a:r>
+          </a:p>
+        </p:txBody>
+      </p:sp>
+      <p:sp>
+        <p:nvSpPr>
+          <p:cNvPr id="4" name="Slide Number Placeholder 3"/>
+          <p:cNvSpPr>
+            <a:spLocks noGrp="1"/>
+          </p:cNvSpPr>
+          <p:nvPr>
+            <p:ph type="sldNum" sz="quarter" idx="5"/>
+          </p:nvPr>
+        </p:nvSpPr>
+        <p:spPr/>
+        <p:txBody>
+          <a:bodyPr/>
+          <a:lstStyle/>
+          <a:p>
+            <a:fld id="{FFB500C5-13F7-48FC-8160-C29AECF6C602}" type="slidenum">
+              <a:rPr lang="en-US" smtClean="0"/>
+              <a:t>13</a:t>
+            </a:fld>
+            <a:endParaRPr lang="en-US"/>
+          </a:p>
+        </p:txBody>
+      </p:sp>
+    </p:spTree>
+    <p:extLst>
+      <p:ext uri="{BB962C8B-B14F-4D97-AF65-F5344CB8AC3E}">
+        <p14:creationId xmlns:p14="http://schemas.microsoft.com/office/powerpoint/2010/main" val="746477125"/>
+      </p:ext>
+    </p:extLst>
+  </p:cSld>
+  <p:clrMapOvr>
+    <a:masterClrMapping/>
+  </p:clrMapOvr>
+</p:notes>
+</file>
+
 <file path=ppt/notesSlides/notesSlide2.xml><?xml version="1.0" encoding="utf-8"?>
 <p:notes xmlns:a="http://schemas.openxmlformats.org/drawingml/2006/main" xmlns:r="http://schemas.openxmlformats.org/officeDocument/2006/relationships" xmlns:p="http://schemas.openxmlformats.org/presentationml/2006/main">
   <p:cSld>
@@ -2254,7 +2437,7 @@
           <a:bodyPr/>
           <a:lstStyle/>
           <a:p>
-            <a:fld id="{3BB66621-ADCC-4EF8-8003-B9D3E881DCD2}" type="slidenum">
+            <a:fld id="{FFB500C5-13F7-48FC-8160-C29AECF6C602}" type="slidenum">
               <a:rPr lang="en-US" smtClean="0"/>
               <a:t>2</a:t>
             </a:fld>
@@ -2265,7 +2448,7 @@
     </p:spTree>
     <p:extLst>
       <p:ext uri="{BB962C8B-B14F-4D97-AF65-F5344CB8AC3E}">
-        <p14:creationId xmlns:p14="http://schemas.microsoft.com/office/powerpoint/2010/main" val="2598490024"/>
+        <p14:creationId xmlns:p14="http://schemas.microsoft.com/office/powerpoint/2010/main" val="2983322059"/>
       </p:ext>
     </p:extLst>
   </p:cSld>
@@ -2349,7 +2532,7 @@
     </p:spTree>
     <p:extLst>
       <p:ext uri="{BB962C8B-B14F-4D97-AF65-F5344CB8AC3E}">
-        <p14:creationId xmlns:p14="http://schemas.microsoft.com/office/powerpoint/2010/main" val="1171820938"/>
+        <p14:creationId xmlns:p14="http://schemas.microsoft.com/office/powerpoint/2010/main" val="4261733413"/>
       </p:ext>
     </p:extLst>
   </p:cSld>
@@ -2517,7 +2700,7 @@
     </p:spTree>
     <p:extLst>
       <p:ext uri="{BB962C8B-B14F-4D97-AF65-F5344CB8AC3E}">
-        <p14:creationId xmlns:p14="http://schemas.microsoft.com/office/powerpoint/2010/main" val="4261733413"/>
+        <p14:creationId xmlns:p14="http://schemas.microsoft.com/office/powerpoint/2010/main" val="2537275168"/>
       </p:ext>
     </p:extLst>
   </p:cSld>
@@ -2739,39 +2922,35 @@
           <a:bodyPr/>
           <a:lstStyle/>
           <a:p>
-            <a:pPr>
-              <a:buClr>
-                <a:srgbClr val="CF3338"/>
-              </a:buClr>
+            <a:pPr marL="0" marR="0" lvl="0" indent="0" algn="l" defTabSz="914400" rtl="0" eaLnBrk="1" fontAlgn="auto" latinLnBrk="0" hangingPunct="1">
+              <a:lnSpc>
+                <a:spcPct val="100000"/>
+              </a:lnSpc>
+              <a:spcBef>
+                <a:spcPts val="0"/>
+              </a:spcBef>
+              <a:spcAft>
+                <a:spcPts val="0"/>
+              </a:spcAft>
+              <a:buClrTx/>
+              <a:buSzTx/>
+              <a:buFontTx/>
+              <a:buNone/>
+              <a:tabLst/>
+              <a:defRPr/>
             </a:pPr>
             <a:r>
-              <a:rPr lang="en-US" sz="1200" i="1" dirty="0">
+              <a:rPr lang="en-US" sz="1200" kern="1200" dirty="0">
                 <a:solidFill>
-                  <a:srgbClr val="707070"/>
+                  <a:schemeClr val="tx1"/>
                 </a:solidFill>
-                <a:latin typeface="Pragmatica" panose="020B0403040502020204" pitchFamily="34" charset="0"/>
+                <a:effectLst/>
+                <a:latin typeface="+mn-lt"/>
+                <a:ea typeface="+mn-ea"/>
+                <a:cs typeface="+mn-cs"/>
               </a:rPr>
-              <a:t>By the end of this book, you should be able to conduct exploratory data analysis and</a:t>
-            </a:r>
-          </a:p>
-          <a:p>
-            <a:pPr>
-              <a:buClr>
-                <a:srgbClr val="CF3338"/>
-              </a:buClr>
-            </a:pPr>
-            <a:r>
-              <a:rPr lang="en-US" sz="1200" i="1" dirty="0">
-                <a:solidFill>
-                  <a:srgbClr val="707070"/>
-                </a:solidFill>
-                <a:latin typeface="Pragmatica" panose="020B0403040502020204" pitchFamily="34" charset="0"/>
-              </a:rPr>
-              <a:t>hypothesis testing using a programming language.</a:t>
-            </a:r>
-          </a:p>
-          <a:p>
-            <a:endParaRPr lang="en-US" dirty="0"/>
+              <a:t>If you are looking to individually take a Power Query class I have a surprise here at the end… </a:t>
+            </a:r>
           </a:p>
         </p:txBody>
       </p:sp>
@@ -2790,7 +2969,7 @@
           <a:bodyPr/>
           <a:lstStyle/>
           <a:p>
-            <a:fld id="{3BB66621-ADCC-4EF8-8003-B9D3E881DCD2}" type="slidenum">
+            <a:fld id="{FFB500C5-13F7-48FC-8160-C29AECF6C602}" type="slidenum">
               <a:rPr lang="en-US" smtClean="0"/>
               <a:t>9</a:t>
             </a:fld>
@@ -2801,7 +2980,119 @@
     </p:spTree>
     <p:extLst>
       <p:ext uri="{BB962C8B-B14F-4D97-AF65-F5344CB8AC3E}">
-        <p14:creationId xmlns:p14="http://schemas.microsoft.com/office/powerpoint/2010/main" val="128776136"/>
+        <p14:creationId xmlns:p14="http://schemas.microsoft.com/office/powerpoint/2010/main" val="3644834246"/>
+      </p:ext>
+    </p:extLst>
+  </p:cSld>
+  <p:clrMapOvr>
+    <a:masterClrMapping/>
+  </p:clrMapOvr>
+</p:notes>
+</file>
+
+<file path=ppt/notesSlides/notesSlide9.xml><?xml version="1.0" encoding="utf-8"?>
+<p:notes xmlns:a="http://schemas.openxmlformats.org/drawingml/2006/main" xmlns:r="http://schemas.openxmlformats.org/officeDocument/2006/relationships" xmlns:p="http://schemas.openxmlformats.org/presentationml/2006/main">
+  <p:cSld>
+    <p:spTree>
+      <p:nvGrpSpPr>
+        <p:cNvPr id="1" name=""/>
+        <p:cNvGrpSpPr/>
+        <p:nvPr/>
+      </p:nvGrpSpPr>
+      <p:grpSpPr>
+        <a:xfrm>
+          <a:off x="0" y="0"/>
+          <a:ext cx="0" cy="0"/>
+          <a:chOff x="0" y="0"/>
+          <a:chExt cx="0" cy="0"/>
+        </a:xfrm>
+      </p:grpSpPr>
+      <p:sp>
+        <p:nvSpPr>
+          <p:cNvPr id="2" name="Slide Image Placeholder 1"/>
+          <p:cNvSpPr>
+            <a:spLocks noGrp="1" noRot="1" noChangeAspect="1"/>
+          </p:cNvSpPr>
+          <p:nvPr>
+            <p:ph type="sldImg"/>
+          </p:nvPr>
+        </p:nvSpPr>
+        <p:spPr/>
+      </p:sp>
+      <p:sp>
+        <p:nvSpPr>
+          <p:cNvPr id="3" name="Notes Placeholder 2"/>
+          <p:cNvSpPr>
+            <a:spLocks noGrp="1"/>
+          </p:cNvSpPr>
+          <p:nvPr>
+            <p:ph type="body" idx="1"/>
+          </p:nvPr>
+        </p:nvSpPr>
+        <p:spPr/>
+        <p:txBody>
+          <a:bodyPr/>
+          <a:lstStyle/>
+          <a:p>
+            <a:pPr marL="0" marR="0" lvl="0" indent="0" algn="l" defTabSz="914400" rtl="0" eaLnBrk="1" fontAlgn="auto" latinLnBrk="0" hangingPunct="1">
+              <a:lnSpc>
+                <a:spcPct val="100000"/>
+              </a:lnSpc>
+              <a:spcBef>
+                <a:spcPts val="0"/>
+              </a:spcBef>
+              <a:spcAft>
+                <a:spcPts val="0"/>
+              </a:spcAft>
+              <a:buClrTx/>
+              <a:buSzTx/>
+              <a:buFontTx/>
+              <a:buNone/>
+              <a:tabLst/>
+              <a:defRPr/>
+            </a:pPr>
+            <a:r>
+              <a:rPr lang="en-US" sz="1200" kern="1200" dirty="0">
+                <a:solidFill>
+                  <a:schemeClr val="tx1"/>
+                </a:solidFill>
+                <a:effectLst/>
+                <a:latin typeface="+mn-lt"/>
+                <a:ea typeface="+mn-ea"/>
+                <a:cs typeface="+mn-cs"/>
+              </a:rPr>
+              <a:t>If you are looking to individually take a Power Query class I have a surprise here at the end… </a:t>
+            </a:r>
+          </a:p>
+        </p:txBody>
+      </p:sp>
+      <p:sp>
+        <p:nvSpPr>
+          <p:cNvPr id="4" name="Slide Number Placeholder 3"/>
+          <p:cNvSpPr>
+            <a:spLocks noGrp="1"/>
+          </p:cNvSpPr>
+          <p:nvPr>
+            <p:ph type="sldNum" sz="quarter" idx="5"/>
+          </p:nvPr>
+        </p:nvSpPr>
+        <p:spPr/>
+        <p:txBody>
+          <a:bodyPr/>
+          <a:lstStyle/>
+          <a:p>
+            <a:fld id="{FFB500C5-13F7-48FC-8160-C29AECF6C602}" type="slidenum">
+              <a:rPr lang="en-US" smtClean="0"/>
+              <a:t>10</a:t>
+            </a:fld>
+            <a:endParaRPr lang="en-US"/>
+          </a:p>
+        </p:txBody>
+      </p:sp>
+    </p:spTree>
+    <p:extLst>
+      <p:ext uri="{BB962C8B-B14F-4D97-AF65-F5344CB8AC3E}">
+        <p14:creationId xmlns:p14="http://schemas.microsoft.com/office/powerpoint/2010/main" val="3644834246"/>
       </p:ext>
     </p:extLst>
   </p:cSld>
@@ -2940,7 +3231,7 @@
           <a:p>
             <a:fld id="{0138B082-EFC2-46C1-B47C-51736C670379}" type="datetimeFigureOut">
               <a:rPr lang="en-US" smtClean="0"/>
-              <a:t>7/2/2023</a:t>
+              <a:t>7/26/2023</a:t>
             </a:fld>
             <a:endParaRPr lang="en-US"/>
           </a:p>
@@ -3108,7 +3399,7 @@
           <a:p>
             <a:fld id="{0138B082-EFC2-46C1-B47C-51736C670379}" type="datetimeFigureOut">
               <a:rPr lang="en-US" smtClean="0"/>
-              <a:t>7/2/2023</a:t>
+              <a:t>7/26/2023</a:t>
             </a:fld>
             <a:endParaRPr lang="en-US"/>
           </a:p>
@@ -3286,7 +3577,7 @@
           <a:p>
             <a:fld id="{0138B082-EFC2-46C1-B47C-51736C670379}" type="datetimeFigureOut">
               <a:rPr lang="en-US" smtClean="0"/>
-              <a:t>7/2/2023</a:t>
+              <a:t>7/26/2023</a:t>
             </a:fld>
             <a:endParaRPr lang="en-US"/>
           </a:p>
@@ -3454,7 +3745,7 @@
           <a:p>
             <a:fld id="{0138B082-EFC2-46C1-B47C-51736C670379}" type="datetimeFigureOut">
               <a:rPr lang="en-US" smtClean="0"/>
-              <a:t>7/2/2023</a:t>
+              <a:t>7/26/2023</a:t>
             </a:fld>
             <a:endParaRPr lang="en-US"/>
           </a:p>
@@ -3699,7 +3990,7 @@
           <a:p>
             <a:fld id="{0138B082-EFC2-46C1-B47C-51736C670379}" type="datetimeFigureOut">
               <a:rPr lang="en-US" smtClean="0"/>
-              <a:t>7/2/2023</a:t>
+              <a:t>7/26/2023</a:t>
             </a:fld>
             <a:endParaRPr lang="en-US"/>
           </a:p>
@@ -3928,7 +4219,7 @@
           <a:p>
             <a:fld id="{0138B082-EFC2-46C1-B47C-51736C670379}" type="datetimeFigureOut">
               <a:rPr lang="en-US" smtClean="0"/>
-              <a:t>7/2/2023</a:t>
+              <a:t>7/26/2023</a:t>
             </a:fld>
             <a:endParaRPr lang="en-US"/>
           </a:p>
@@ -4292,7 +4583,7 @@
           <a:p>
             <a:fld id="{0138B082-EFC2-46C1-B47C-51736C670379}" type="datetimeFigureOut">
               <a:rPr lang="en-US" smtClean="0"/>
-              <a:t>7/2/2023</a:t>
+              <a:t>7/26/2023</a:t>
             </a:fld>
             <a:endParaRPr lang="en-US"/>
           </a:p>
@@ -4409,7 +4700,7 @@
           <a:p>
             <a:fld id="{0138B082-EFC2-46C1-B47C-51736C670379}" type="datetimeFigureOut">
               <a:rPr lang="en-US" smtClean="0"/>
-              <a:t>7/2/2023</a:t>
+              <a:t>7/26/2023</a:t>
             </a:fld>
             <a:endParaRPr lang="en-US"/>
           </a:p>
@@ -4504,7 +4795,7 @@
           <a:p>
             <a:fld id="{0138B082-EFC2-46C1-B47C-51736C670379}" type="datetimeFigureOut">
               <a:rPr lang="en-US" smtClean="0"/>
-              <a:t>7/2/2023</a:t>
+              <a:t>7/26/2023</a:t>
             </a:fld>
             <a:endParaRPr lang="en-US"/>
           </a:p>
@@ -4779,7 +5070,7 @@
           <a:p>
             <a:fld id="{0138B082-EFC2-46C1-B47C-51736C670379}" type="datetimeFigureOut">
               <a:rPr lang="en-US" smtClean="0"/>
-              <a:t>7/2/2023</a:t>
+              <a:t>7/26/2023</a:t>
             </a:fld>
             <a:endParaRPr lang="en-US"/>
           </a:p>
@@ -5031,7 +5322,7 @@
           <a:p>
             <a:fld id="{0138B082-EFC2-46C1-B47C-51736C670379}" type="datetimeFigureOut">
               <a:rPr lang="en-US" smtClean="0"/>
-              <a:t>7/2/2023</a:t>
+              <a:t>7/26/2023</a:t>
             </a:fld>
             <a:endParaRPr lang="en-US"/>
           </a:p>
@@ -5242,7 +5533,7 @@
           <a:p>
             <a:fld id="{0138B082-EFC2-46C1-B47C-51736C670379}" type="datetimeFigureOut">
               <a:rPr lang="en-US" smtClean="0"/>
-              <a:t>7/2/2023</a:t>
+              <a:t>7/26/2023</a:t>
             </a:fld>
             <a:endParaRPr lang="en-US"/>
           </a:p>
@@ -5806,6 +6097,358 @@
           <a:chExt cx="0" cy="0"/>
         </a:xfrm>
       </p:grpSpPr>
+      <p:sp>
+        <p:nvSpPr>
+          <p:cNvPr id="2" name="AutoShape 2"/>
+          <p:cNvSpPr/>
+          <p:nvPr/>
+        </p:nvSpPr>
+        <p:spPr>
+          <a:xfrm>
+            <a:off x="1" y="-37593"/>
+            <a:ext cx="6855827" cy="6933187"/>
+          </a:xfrm>
+          <a:prstGeom prst="rect">
+            <a:avLst/>
+          </a:prstGeom>
+          <a:solidFill>
+            <a:srgbClr val="CF3338"/>
+          </a:solidFill>
+        </p:spPr>
+        <p:txBody>
+          <a:bodyPr/>
+          <a:lstStyle/>
+          <a:p>
+            <a:endParaRPr lang="en-US" sz="1200"/>
+          </a:p>
+        </p:txBody>
+      </p:sp>
+      <p:grpSp>
+        <p:nvGrpSpPr>
+          <p:cNvPr id="3" name="Group 3"/>
+          <p:cNvGrpSpPr/>
+          <p:nvPr/>
+        </p:nvGrpSpPr>
+        <p:grpSpPr>
+          <a:xfrm rot="5400000">
+            <a:off x="6638" y="-6638"/>
+            <a:ext cx="6842552" cy="6855827"/>
+            <a:chOff x="0" y="0"/>
+            <a:chExt cx="6350000" cy="6339840"/>
+          </a:xfrm>
+        </p:grpSpPr>
+        <p:sp>
+          <p:nvSpPr>
+            <p:cNvPr id="4" name="Freeform 4"/>
+            <p:cNvSpPr/>
+            <p:nvPr/>
+          </p:nvSpPr>
+          <p:spPr>
+            <a:xfrm>
+              <a:off x="0" y="0"/>
+              <a:ext cx="6350000" cy="6339840"/>
+            </a:xfrm>
+            <a:custGeom>
+              <a:avLst/>
+              <a:gdLst/>
+              <a:ahLst/>
+              <a:cxnLst/>
+              <a:rect l="l" t="t" r="r" b="b"/>
+              <a:pathLst>
+                <a:path w="6350000" h="6339840">
+                  <a:moveTo>
+                    <a:pt x="6350000" y="6339840"/>
+                  </a:moveTo>
+                  <a:lnTo>
+                    <a:pt x="0" y="6339840"/>
+                  </a:lnTo>
+                  <a:lnTo>
+                    <a:pt x="0" y="0"/>
+                  </a:lnTo>
+                  <a:close/>
+                </a:path>
+              </a:pathLst>
+            </a:custGeom>
+            <a:solidFill>
+              <a:srgbClr val="3D3935">
+                <a:alpha val="19607"/>
+              </a:srgbClr>
+            </a:solidFill>
+          </p:spPr>
+          <p:txBody>
+            <a:bodyPr/>
+            <a:lstStyle/>
+            <a:p>
+              <a:endParaRPr lang="en-US" sz="1200"/>
+            </a:p>
+          </p:txBody>
+        </p:sp>
+      </p:grpSp>
+      <p:sp>
+        <p:nvSpPr>
+          <p:cNvPr id="5" name="TextBox 5"/>
+          <p:cNvSpPr txBox="1"/>
+          <p:nvPr/>
+        </p:nvSpPr>
+        <p:spPr>
+          <a:xfrm>
+            <a:off x="886474" y="1973729"/>
+            <a:ext cx="5082879" cy="1508875"/>
+          </a:xfrm>
+          <a:prstGeom prst="rect">
+            <a:avLst/>
+          </a:prstGeom>
+        </p:spPr>
+        <p:txBody>
+          <a:bodyPr lIns="0" tIns="0" rIns="0" bIns="0" rtlCol="0" anchor="t">
+            <a:spAutoFit/>
+          </a:bodyPr>
+          <a:lstStyle/>
+          <a:p>
+            <a:pPr marL="304815" indent="-304815">
+              <a:lnSpc>
+                <a:spcPts val="3015"/>
+              </a:lnSpc>
+              <a:buFont typeface="Arial" panose="020B0604020202020204" pitchFamily="34" charset="0"/>
+              <a:buChar char="•"/>
+            </a:pPr>
+            <a:r>
+              <a:rPr lang="en-US" sz="2267" spc="227" dirty="0">
+                <a:solidFill>
+                  <a:schemeClr val="bg1"/>
+                </a:solidFill>
+                <a:latin typeface="Gidole"/>
+              </a:rPr>
+              <a:t>Learn more and connect at </a:t>
+            </a:r>
+            <a:r>
+              <a:rPr lang="en-US" sz="2267" spc="227" dirty="0">
+                <a:solidFill>
+                  <a:schemeClr val="bg1"/>
+                </a:solidFill>
+                <a:latin typeface="Gidole"/>
+                <a:hlinkClick r:id="rId3">
+                  <a:extLst>
+                    <a:ext uri="{A12FA001-AC4F-418D-AE19-62706E023703}">
+                      <ahyp:hlinkClr xmlns:ahyp="http://schemas.microsoft.com/office/drawing/2018/hyperlinkcolor" val="tx"/>
+                    </a:ext>
+                  </a:extLst>
+                </a:hlinkClick>
+              </a:rPr>
+              <a:t>https://stringfestanalytics.com/modern-data-analytics-in-excel-workshops/</a:t>
+            </a:r>
+            <a:r>
+              <a:rPr lang="en-US" sz="2267" spc="227" dirty="0">
+                <a:solidFill>
+                  <a:schemeClr val="bg1"/>
+                </a:solidFill>
+                <a:latin typeface="Gidole"/>
+              </a:rPr>
+              <a:t> </a:t>
+            </a:r>
+          </a:p>
+        </p:txBody>
+      </p:sp>
+      <p:sp>
+        <p:nvSpPr>
+          <p:cNvPr id="6" name="TextBox 6"/>
+          <p:cNvSpPr txBox="1"/>
+          <p:nvPr/>
+        </p:nvSpPr>
+        <p:spPr>
+          <a:xfrm rot="5400000">
+            <a:off x="10021203" y="4657031"/>
+            <a:ext cx="2489935" cy="540404"/>
+          </a:xfrm>
+          <a:prstGeom prst="rect">
+            <a:avLst/>
+          </a:prstGeom>
+        </p:spPr>
+        <p:txBody>
+          <a:bodyPr lIns="0" tIns="0" rIns="0" bIns="0" rtlCol="0" anchor="t">
+            <a:spAutoFit/>
+          </a:bodyPr>
+          <a:lstStyle/>
+          <a:p>
+            <a:pPr algn="r">
+              <a:lnSpc>
+                <a:spcPts val="2239"/>
+              </a:lnSpc>
+            </a:pPr>
+            <a:r>
+              <a:rPr lang="en-US" sz="1600" spc="128">
+                <a:solidFill>
+                  <a:srgbClr val="F2F0F4"/>
+                </a:solidFill>
+                <a:latin typeface="Gidole"/>
+              </a:rPr>
+              <a:t>Human Centered Design • MDLS 2020</a:t>
+            </a:r>
+          </a:p>
+        </p:txBody>
+      </p:sp>
+      <p:pic>
+        <p:nvPicPr>
+          <p:cNvPr id="7" name="Picture 7"/>
+          <p:cNvPicPr>
+            <a:picLocks noChangeAspect="1"/>
+          </p:cNvPicPr>
+          <p:nvPr/>
+        </p:nvPicPr>
+        <p:blipFill>
+          <a:blip r:embed="rId4"/>
+          <a:srcRect/>
+          <a:stretch>
+            <a:fillRect/>
+          </a:stretch>
+        </p:blipFill>
+        <p:spPr>
+          <a:xfrm>
+            <a:off x="10733722" y="6172200"/>
+            <a:ext cx="1337189" cy="980327"/>
+          </a:xfrm>
+          <a:prstGeom prst="rect">
+            <a:avLst/>
+          </a:prstGeom>
+        </p:spPr>
+      </p:pic>
+      <p:sp>
+        <p:nvSpPr>
+          <p:cNvPr id="9" name="TextBox 9"/>
+          <p:cNvSpPr txBox="1"/>
+          <p:nvPr/>
+        </p:nvSpPr>
+        <p:spPr>
+          <a:xfrm>
+            <a:off x="438381" y="628650"/>
+            <a:ext cx="5657619" cy="956993"/>
+          </a:xfrm>
+          <a:prstGeom prst="rect">
+            <a:avLst/>
+          </a:prstGeom>
+        </p:spPr>
+        <p:txBody>
+          <a:bodyPr lIns="0" tIns="0" rIns="0" bIns="0" rtlCol="0" anchor="t">
+            <a:spAutoFit/>
+          </a:bodyPr>
+          <a:lstStyle/>
+          <a:p>
+            <a:pPr>
+              <a:lnSpc>
+                <a:spcPts val="3920"/>
+              </a:lnSpc>
+              <a:spcBef>
+                <a:spcPct val="0"/>
+              </a:spcBef>
+            </a:pPr>
+            <a:r>
+              <a:rPr lang="en-US" sz="2800" dirty="0">
+                <a:solidFill>
+                  <a:srgbClr val="FFFFFF"/>
+                </a:solidFill>
+                <a:latin typeface="League Spartan"/>
+              </a:rPr>
+              <a:t>Modern Analytics in Excel workshops</a:t>
+            </a:r>
+          </a:p>
+        </p:txBody>
+      </p:sp>
+      <p:pic>
+        <p:nvPicPr>
+          <p:cNvPr id="10" name="Picture 9" descr="Text&#10;&#10;Description automatically generated">
+            <a:extLst>
+              <a:ext uri="{FF2B5EF4-FFF2-40B4-BE49-F238E27FC236}">
+                <a16:creationId xmlns:a16="http://schemas.microsoft.com/office/drawing/2014/main" id="{E63B4FF6-BF88-4463-8657-7F5CDE66BB1D}"/>
+              </a:ext>
+            </a:extLst>
+          </p:cNvPr>
+          <p:cNvPicPr>
+            <a:picLocks noChangeAspect="1"/>
+          </p:cNvPicPr>
+          <p:nvPr/>
+        </p:nvPicPr>
+        <p:blipFill>
+          <a:blip r:embed="rId5" cstate="print">
+            <a:extLst>
+              <a:ext uri="{28A0092B-C50C-407E-A947-70E740481C1C}">
+                <a14:useLocalDpi xmlns:a14="http://schemas.microsoft.com/office/drawing/2010/main" val="0"/>
+              </a:ext>
+            </a:extLst>
+          </a:blip>
+          <a:stretch>
+            <a:fillRect/>
+          </a:stretch>
+        </p:blipFill>
+        <p:spPr>
+          <a:xfrm>
+            <a:off x="7396458" y="501951"/>
+            <a:ext cx="4224538" cy="5467049"/>
+          </a:xfrm>
+          <a:prstGeom prst="rect">
+            <a:avLst/>
+          </a:prstGeom>
+        </p:spPr>
+      </p:pic>
+      <p:pic>
+        <p:nvPicPr>
+          <p:cNvPr id="12" name="Picture 11">
+            <a:extLst>
+              <a:ext uri="{FF2B5EF4-FFF2-40B4-BE49-F238E27FC236}">
+                <a16:creationId xmlns:a16="http://schemas.microsoft.com/office/drawing/2014/main" id="{7EFF923A-0C27-A641-0D91-FFFBF11D634E}"/>
+              </a:ext>
+            </a:extLst>
+          </p:cNvPr>
+          <p:cNvPicPr>
+            <a:picLocks noChangeAspect="1"/>
+          </p:cNvPicPr>
+          <p:nvPr/>
+        </p:nvPicPr>
+        <p:blipFill>
+          <a:blip r:embed="rId6"/>
+          <a:stretch>
+            <a:fillRect/>
+          </a:stretch>
+        </p:blipFill>
+        <p:spPr>
+          <a:xfrm>
+            <a:off x="7396457" y="501950"/>
+            <a:ext cx="4224537" cy="5467049"/>
+          </a:xfrm>
+          <a:prstGeom prst="rect">
+            <a:avLst/>
+          </a:prstGeom>
+        </p:spPr>
+      </p:pic>
+    </p:spTree>
+    <p:extLst>
+      <p:ext uri="{BB962C8B-B14F-4D97-AF65-F5344CB8AC3E}">
+        <p14:creationId xmlns:p14="http://schemas.microsoft.com/office/powerpoint/2010/main" val="4078030192"/>
+      </p:ext>
+    </p:extLst>
+  </p:cSld>
+  <p:clrMapOvr>
+    <a:masterClrMapping/>
+  </p:clrMapOvr>
+</p:sld>
+</file>
+
+<file path=ppt/slides/slide11.xml><?xml version="1.0" encoding="utf-8"?>
+<p:sld xmlns:a="http://schemas.openxmlformats.org/drawingml/2006/main" xmlns:r="http://schemas.openxmlformats.org/officeDocument/2006/relationships" xmlns:p="http://schemas.openxmlformats.org/presentationml/2006/main">
+  <p:cSld>
+    <p:spTree>
+      <p:nvGrpSpPr>
+        <p:cNvPr id="1" name=""/>
+        <p:cNvGrpSpPr/>
+        <p:nvPr/>
+      </p:nvGrpSpPr>
+      <p:grpSpPr>
+        <a:xfrm>
+          <a:off x="0" y="0"/>
+          <a:ext cx="0" cy="0"/>
+          <a:chOff x="0" y="0"/>
+          <a:chExt cx="0" cy="0"/>
+        </a:xfrm>
+      </p:grpSpPr>
       <p:pic>
         <p:nvPicPr>
           <p:cNvPr id="10" name="Picture 9"/>
@@ -5962,7 +6605,452 @@
 </p:sld>
 </file>
 
-<file path=ppt/slides/slide11.xml><?xml version="1.0" encoding="utf-8"?>
+<file path=ppt/slides/slide12.xml><?xml version="1.0" encoding="utf-8"?>
+<p:sld xmlns:a="http://schemas.openxmlformats.org/drawingml/2006/main" xmlns:r="http://schemas.openxmlformats.org/officeDocument/2006/relationships" xmlns:p="http://schemas.openxmlformats.org/presentationml/2006/main">
+  <p:cSld>
+    <p:spTree>
+      <p:nvGrpSpPr>
+        <p:cNvPr id="1" name=""/>
+        <p:cNvGrpSpPr/>
+        <p:nvPr/>
+      </p:nvGrpSpPr>
+      <p:grpSpPr>
+        <a:xfrm>
+          <a:off x="0" y="0"/>
+          <a:ext cx="0" cy="0"/>
+          <a:chOff x="0" y="0"/>
+          <a:chExt cx="0" cy="0"/>
+        </a:xfrm>
+      </p:grpSpPr>
+      <p:pic>
+        <p:nvPicPr>
+          <p:cNvPr id="8" name="Picture 8"/>
+          <p:cNvPicPr>
+            <a:picLocks noChangeAspect="1"/>
+          </p:cNvPicPr>
+          <p:nvPr/>
+        </p:nvPicPr>
+        <p:blipFill>
+          <a:blip r:embed="rId3"/>
+          <a:srcRect/>
+          <a:stretch>
+            <a:fillRect/>
+          </a:stretch>
+        </p:blipFill>
+        <p:spPr>
+          <a:xfrm>
+            <a:off x="10972800" y="-66052"/>
+            <a:ext cx="1337189" cy="980327"/>
+          </a:xfrm>
+          <a:prstGeom prst="rect">
+            <a:avLst/>
+          </a:prstGeom>
+        </p:spPr>
+      </p:pic>
+      <p:sp>
+        <p:nvSpPr>
+          <p:cNvPr id="9" name="TextBox 9"/>
+          <p:cNvSpPr txBox="1"/>
+          <p:nvPr/>
+        </p:nvSpPr>
+        <p:spPr>
+          <a:xfrm>
+            <a:off x="558800" y="411412"/>
+            <a:ext cx="10420804" cy="784510"/>
+          </a:xfrm>
+          <a:prstGeom prst="rect">
+            <a:avLst/>
+          </a:prstGeom>
+        </p:spPr>
+        <p:txBody>
+          <a:bodyPr wrap="square" lIns="0" tIns="0" rIns="0" bIns="0" rtlCol="0" anchor="t">
+            <a:spAutoFit/>
+          </a:bodyPr>
+          <a:lstStyle/>
+          <a:p>
+            <a:pPr>
+              <a:lnSpc>
+                <a:spcPts val="6720"/>
+              </a:lnSpc>
+              <a:spcBef>
+                <a:spcPct val="0"/>
+              </a:spcBef>
+            </a:pPr>
+            <a:r>
+              <a:rPr lang="en-US" sz="4800" dirty="0">
+                <a:solidFill>
+                  <a:srgbClr val="000000"/>
+                </a:solidFill>
+                <a:latin typeface="Open Sans Extra Bold"/>
+              </a:rPr>
+              <a:t>TAKE THE SURVEY</a:t>
+            </a:r>
+          </a:p>
+        </p:txBody>
+      </p:sp>
+      <p:pic>
+        <p:nvPicPr>
+          <p:cNvPr id="5" name="Picture 6">
+            <a:extLst>
+              <a:ext uri="{FF2B5EF4-FFF2-40B4-BE49-F238E27FC236}">
+                <a16:creationId xmlns:a16="http://schemas.microsoft.com/office/drawing/2014/main" id="{01C401A0-8EBC-47CA-B2DE-F204DE6EEF54}"/>
+              </a:ext>
+            </a:extLst>
+          </p:cNvPr>
+          <p:cNvPicPr>
+            <a:picLocks noChangeAspect="1"/>
+          </p:cNvPicPr>
+          <p:nvPr/>
+        </p:nvPicPr>
+        <p:blipFill>
+          <a:blip r:embed="rId4"/>
+          <a:srcRect b="44190"/>
+          <a:stretch>
+            <a:fillRect/>
+          </a:stretch>
+        </p:blipFill>
+        <p:spPr>
+          <a:xfrm>
+            <a:off x="10730080" y="6176837"/>
+            <a:ext cx="1342081" cy="549120"/>
+          </a:xfrm>
+          <a:prstGeom prst="rect">
+            <a:avLst/>
+          </a:prstGeom>
+        </p:spPr>
+      </p:pic>
+      <p:sp>
+        <p:nvSpPr>
+          <p:cNvPr id="6" name="TextBox 5">
+            <a:extLst>
+              <a:ext uri="{FF2B5EF4-FFF2-40B4-BE49-F238E27FC236}">
+                <a16:creationId xmlns:a16="http://schemas.microsoft.com/office/drawing/2014/main" id="{B72B56F1-579F-4CEC-BF86-0455EEB5C6F1}"/>
+              </a:ext>
+            </a:extLst>
+          </p:cNvPr>
+          <p:cNvSpPr txBox="1"/>
+          <p:nvPr/>
+        </p:nvSpPr>
+        <p:spPr>
+          <a:xfrm>
+            <a:off x="571500" y="1295400"/>
+            <a:ext cx="5818020" cy="4011419"/>
+          </a:xfrm>
+          <a:prstGeom prst="rect">
+            <a:avLst/>
+          </a:prstGeom>
+          <a:noFill/>
+        </p:spPr>
+        <p:txBody>
+          <a:bodyPr wrap="square" rtlCol="0">
+            <a:spAutoFit/>
+          </a:bodyPr>
+          <a:lstStyle/>
+          <a:p>
+            <a:r>
+              <a:rPr lang="en-US" sz="3200" dirty="0">
+                <a:latin typeface="Gidole" panose="02000503000000000000" pitchFamily="2" charset="0"/>
+                <a:ea typeface="Roboto Mono" pitchFamily="2" charset="0"/>
+              </a:rPr>
+              <a:t>How did I do today? Testimonials or other data welcome.</a:t>
+            </a:r>
+          </a:p>
+          <a:p>
+            <a:endParaRPr lang="en-US" sz="2667" dirty="0">
+              <a:latin typeface="Gidole" panose="02000503000000000000" pitchFamily="2" charset="0"/>
+              <a:ea typeface="Roboto Mono" pitchFamily="2" charset="0"/>
+            </a:endParaRPr>
+          </a:p>
+          <a:p>
+            <a:r>
+              <a:rPr lang="en-US" sz="4400" dirty="0">
+                <a:latin typeface="Gidole" panose="02000503000000000000" pitchFamily="2" charset="0"/>
+                <a:ea typeface="Roboto Mono" pitchFamily="2" charset="0"/>
+                <a:hlinkClick r:id="rId5"/>
+              </a:rPr>
+              <a:t>https://social.stringfestanalytics.com/event-feedback</a:t>
+            </a:r>
+            <a:r>
+              <a:rPr lang="en-US" sz="4400" dirty="0">
+                <a:latin typeface="Gidole" panose="02000503000000000000" pitchFamily="2" charset="0"/>
+                <a:ea typeface="Roboto Mono" pitchFamily="2" charset="0"/>
+              </a:rPr>
+              <a:t>  </a:t>
+            </a:r>
+          </a:p>
+        </p:txBody>
+      </p:sp>
+      <p:pic>
+        <p:nvPicPr>
+          <p:cNvPr id="3" name="Picture 2" descr="Shape&#10;&#10;Description automatically generated with low confidence">
+            <a:extLst>
+              <a:ext uri="{FF2B5EF4-FFF2-40B4-BE49-F238E27FC236}">
+                <a16:creationId xmlns:a16="http://schemas.microsoft.com/office/drawing/2014/main" id="{42F3175D-B642-4C36-959D-6981F5B7F69C}"/>
+              </a:ext>
+            </a:extLst>
+          </p:cNvPr>
+          <p:cNvPicPr>
+            <a:picLocks noChangeAspect="1"/>
+          </p:cNvPicPr>
+          <p:nvPr/>
+        </p:nvPicPr>
+        <p:blipFill>
+          <a:blip r:embed="rId6" cstate="print">
+            <a:extLst>
+              <a:ext uri="{28A0092B-C50C-407E-A947-70E740481C1C}">
+                <a14:useLocalDpi xmlns:a14="http://schemas.microsoft.com/office/drawing/2010/main" val="0"/>
+              </a:ext>
+            </a:extLst>
+          </a:blip>
+          <a:stretch>
+            <a:fillRect/>
+          </a:stretch>
+        </p:blipFill>
+        <p:spPr>
+          <a:xfrm>
+            <a:off x="6807200" y="3224189"/>
+            <a:ext cx="3505200" cy="3505200"/>
+          </a:xfrm>
+          <a:prstGeom prst="rect">
+            <a:avLst/>
+          </a:prstGeom>
+        </p:spPr>
+      </p:pic>
+    </p:spTree>
+    <p:extLst>
+      <p:ext uri="{BB962C8B-B14F-4D97-AF65-F5344CB8AC3E}">
+        <p14:creationId xmlns:p14="http://schemas.microsoft.com/office/powerpoint/2010/main" val="3032095955"/>
+      </p:ext>
+    </p:extLst>
+  </p:cSld>
+  <p:clrMapOvr>
+    <a:masterClrMapping/>
+  </p:clrMapOvr>
+</p:sld>
+</file>
+
+<file path=ppt/slides/slide13.xml><?xml version="1.0" encoding="utf-8"?>
+<p:sld xmlns:a="http://schemas.openxmlformats.org/drawingml/2006/main" xmlns:r="http://schemas.openxmlformats.org/officeDocument/2006/relationships" xmlns:p="http://schemas.openxmlformats.org/presentationml/2006/main">
+  <p:cSld>
+    <p:spTree>
+      <p:nvGrpSpPr>
+        <p:cNvPr id="1" name=""/>
+        <p:cNvGrpSpPr/>
+        <p:nvPr/>
+      </p:nvGrpSpPr>
+      <p:grpSpPr>
+        <a:xfrm>
+          <a:off x="0" y="0"/>
+          <a:ext cx="0" cy="0"/>
+          <a:chOff x="0" y="0"/>
+          <a:chExt cx="0" cy="0"/>
+        </a:xfrm>
+      </p:grpSpPr>
+      <p:pic>
+        <p:nvPicPr>
+          <p:cNvPr id="8" name="Picture 8"/>
+          <p:cNvPicPr>
+            <a:picLocks noChangeAspect="1"/>
+          </p:cNvPicPr>
+          <p:nvPr/>
+        </p:nvPicPr>
+        <p:blipFill>
+          <a:blip r:embed="rId3"/>
+          <a:srcRect/>
+          <a:stretch>
+            <a:fillRect/>
+          </a:stretch>
+        </p:blipFill>
+        <p:spPr>
+          <a:xfrm>
+            <a:off x="10972800" y="-66052"/>
+            <a:ext cx="1337189" cy="980327"/>
+          </a:xfrm>
+          <a:prstGeom prst="rect">
+            <a:avLst/>
+          </a:prstGeom>
+        </p:spPr>
+      </p:pic>
+      <p:sp>
+        <p:nvSpPr>
+          <p:cNvPr id="9" name="TextBox 9"/>
+          <p:cNvSpPr txBox="1"/>
+          <p:nvPr/>
+        </p:nvSpPr>
+        <p:spPr>
+          <a:xfrm>
+            <a:off x="558800" y="411412"/>
+            <a:ext cx="10420804" cy="784510"/>
+          </a:xfrm>
+          <a:prstGeom prst="rect">
+            <a:avLst/>
+          </a:prstGeom>
+        </p:spPr>
+        <p:txBody>
+          <a:bodyPr wrap="square" lIns="0" tIns="0" rIns="0" bIns="0" rtlCol="0" anchor="t">
+            <a:spAutoFit/>
+          </a:bodyPr>
+          <a:lstStyle/>
+          <a:p>
+            <a:pPr>
+              <a:lnSpc>
+                <a:spcPts val="6720"/>
+              </a:lnSpc>
+              <a:spcBef>
+                <a:spcPct val="0"/>
+              </a:spcBef>
+            </a:pPr>
+            <a:r>
+              <a:rPr lang="en-US" sz="4800" dirty="0">
+                <a:solidFill>
+                  <a:srgbClr val="000000"/>
+                </a:solidFill>
+                <a:latin typeface="Open Sans Extra Bold"/>
+              </a:rPr>
+              <a:t>FINAL QUESTIONS?</a:t>
+            </a:r>
+          </a:p>
+        </p:txBody>
+      </p:sp>
+      <p:pic>
+        <p:nvPicPr>
+          <p:cNvPr id="5" name="Picture 6">
+            <a:extLst>
+              <a:ext uri="{FF2B5EF4-FFF2-40B4-BE49-F238E27FC236}">
+                <a16:creationId xmlns:a16="http://schemas.microsoft.com/office/drawing/2014/main" id="{01C401A0-8EBC-47CA-B2DE-F204DE6EEF54}"/>
+              </a:ext>
+            </a:extLst>
+          </p:cNvPr>
+          <p:cNvPicPr>
+            <a:picLocks noChangeAspect="1"/>
+          </p:cNvPicPr>
+          <p:nvPr/>
+        </p:nvPicPr>
+        <p:blipFill>
+          <a:blip r:embed="rId4"/>
+          <a:srcRect b="44190"/>
+          <a:stretch>
+            <a:fillRect/>
+          </a:stretch>
+        </p:blipFill>
+        <p:spPr>
+          <a:xfrm>
+            <a:off x="10730080" y="6176837"/>
+            <a:ext cx="1342081" cy="549120"/>
+          </a:xfrm>
+          <a:prstGeom prst="rect">
+            <a:avLst/>
+          </a:prstGeom>
+        </p:spPr>
+      </p:pic>
+      <p:sp>
+        <p:nvSpPr>
+          <p:cNvPr id="6" name="TextBox 5">
+            <a:extLst>
+              <a:ext uri="{FF2B5EF4-FFF2-40B4-BE49-F238E27FC236}">
+                <a16:creationId xmlns:a16="http://schemas.microsoft.com/office/drawing/2014/main" id="{B72B56F1-579F-4CEC-BF86-0455EEB5C6F1}"/>
+              </a:ext>
+            </a:extLst>
+          </p:cNvPr>
+          <p:cNvSpPr txBox="1"/>
+          <p:nvPr/>
+        </p:nvSpPr>
+        <p:spPr>
+          <a:xfrm>
+            <a:off x="571500" y="1295400"/>
+            <a:ext cx="8585200" cy="3375796"/>
+          </a:xfrm>
+          <a:prstGeom prst="rect">
+            <a:avLst/>
+          </a:prstGeom>
+          <a:noFill/>
+        </p:spPr>
+        <p:txBody>
+          <a:bodyPr wrap="square" rtlCol="0">
+            <a:spAutoFit/>
+          </a:bodyPr>
+          <a:lstStyle/>
+          <a:p>
+            <a:r>
+              <a:rPr lang="en-US" sz="2667" dirty="0">
+                <a:latin typeface="Gidole" panose="02000503000000000000" pitchFamily="2" charset="0"/>
+                <a:ea typeface="Roboto Mono" pitchFamily="2" charset="0"/>
+              </a:rPr>
+              <a:t>Thanks for joining! </a:t>
+            </a:r>
+          </a:p>
+          <a:p>
+            <a:endParaRPr lang="en-US" sz="2667" dirty="0">
+              <a:latin typeface="Gidole" panose="02000503000000000000" pitchFamily="2" charset="0"/>
+              <a:ea typeface="Roboto Mono" pitchFamily="2" charset="0"/>
+            </a:endParaRPr>
+          </a:p>
+          <a:p>
+            <a:r>
+              <a:rPr lang="en-US" sz="2667" dirty="0">
+                <a:latin typeface="Gidole" panose="02000503000000000000" pitchFamily="2" charset="0"/>
+                <a:ea typeface="Roboto Mono" pitchFamily="2" charset="0"/>
+              </a:rPr>
+              <a:t>A recap email with recording, survey and more will be coming…</a:t>
+            </a:r>
+          </a:p>
+          <a:p>
+            <a:endParaRPr lang="en-US" sz="2667" dirty="0">
+              <a:latin typeface="Gidole" panose="02000503000000000000" pitchFamily="2" charset="0"/>
+              <a:ea typeface="Roboto Mono" pitchFamily="2" charset="0"/>
+            </a:endParaRPr>
+          </a:p>
+          <a:p>
+            <a:r>
+              <a:rPr lang="en-US" sz="2667" dirty="0">
+                <a:latin typeface="Gidole" panose="02000503000000000000" pitchFamily="2" charset="0"/>
+                <a:ea typeface="Roboto Mono" pitchFamily="2" charset="0"/>
+              </a:rPr>
+              <a:t>The recording stays up for seven days.</a:t>
+            </a:r>
+          </a:p>
+          <a:p>
+            <a:endParaRPr lang="en-US" sz="2667" dirty="0">
+              <a:latin typeface="Gidole" panose="02000503000000000000" pitchFamily="2" charset="0"/>
+              <a:ea typeface="Roboto Mono" pitchFamily="2" charset="0"/>
+            </a:endParaRPr>
+          </a:p>
+          <a:p>
+            <a:r>
+              <a:rPr lang="en-US" sz="2667" dirty="0">
+                <a:latin typeface="Gidole" panose="02000503000000000000" pitchFamily="2" charset="0"/>
+                <a:ea typeface="Roboto Mono" pitchFamily="2" charset="0"/>
+              </a:rPr>
+              <a:t>I </a:t>
+            </a:r>
+            <a:r>
+              <a:rPr lang="en-US" sz="2667">
+                <a:latin typeface="Gidole" panose="02000503000000000000" pitchFamily="2" charset="0"/>
+                <a:ea typeface="Roboto Mono" pitchFamily="2" charset="0"/>
+              </a:rPr>
+              <a:t>appreciate your reviews &amp; referrals. </a:t>
+            </a:r>
+            <a:endParaRPr lang="en-US" sz="2667" dirty="0">
+              <a:latin typeface="Gidole" panose="02000503000000000000" pitchFamily="2" charset="0"/>
+              <a:ea typeface="Roboto Mono" pitchFamily="2" charset="0"/>
+            </a:endParaRPr>
+          </a:p>
+        </p:txBody>
+      </p:sp>
+    </p:spTree>
+    <p:extLst>
+      <p:ext uri="{BB962C8B-B14F-4D97-AF65-F5344CB8AC3E}">
+        <p14:creationId xmlns:p14="http://schemas.microsoft.com/office/powerpoint/2010/main" val="956393270"/>
+      </p:ext>
+    </p:extLst>
+  </p:cSld>
+  <p:clrMapOvr>
+    <a:masterClrMapping/>
+  </p:clrMapOvr>
+</p:sld>
+</file>
+
+<file path=ppt/slides/slide14.xml><?xml version="1.0" encoding="utf-8"?>
 <p:sld xmlns:a="http://schemas.openxmlformats.org/drawingml/2006/main" xmlns:r="http://schemas.openxmlformats.org/officeDocument/2006/relationships" xmlns:p="http://schemas.openxmlformats.org/presentationml/2006/main">
   <p:cSld>
     <p:spTree>
@@ -6102,29 +7190,51 @@
           <a:chExt cx="0" cy="0"/>
         </a:xfrm>
       </p:grpSpPr>
+      <p:sp>
+        <p:nvSpPr>
+          <p:cNvPr id="6" name="AutoShape 6"/>
+          <p:cNvSpPr/>
+          <p:nvPr/>
+        </p:nvSpPr>
+        <p:spPr>
+          <a:xfrm>
+            <a:off x="6096000" y="1429070"/>
+            <a:ext cx="6310933" cy="37461"/>
+          </a:xfrm>
+          <a:prstGeom prst="rect">
+            <a:avLst/>
+          </a:prstGeom>
+          <a:solidFill>
+            <a:srgbClr val="000000"/>
+          </a:solidFill>
+        </p:spPr>
+        <p:txBody>
+          <a:bodyPr/>
+          <a:lstStyle/>
+          <a:p>
+            <a:endParaRPr lang="en-US" sz="1200"/>
+          </a:p>
+        </p:txBody>
+      </p:sp>
       <p:pic>
         <p:nvPicPr>
-          <p:cNvPr id="10" name="Picture 9"/>
+          <p:cNvPr id="7" name="Picture 7"/>
           <p:cNvPicPr>
             <a:picLocks noChangeAspect="1"/>
           </p:cNvPicPr>
           <p:nvPr/>
         </p:nvPicPr>
-        <p:blipFill rotWithShape="1">
-          <a:blip r:embed="rId3">
-            <a:extLst>
-              <a:ext uri="{28A0092B-C50C-407E-A947-70E740481C1C}">
-                <a14:useLocalDpi xmlns:a14="http://schemas.microsoft.com/office/drawing/2010/main" val="0"/>
-              </a:ext>
-            </a:extLst>
-          </a:blip>
-          <a:srcRect l="50728" t="56371"/>
-          <a:stretch/>
+        <p:blipFill>
+          <a:blip r:embed="rId3"/>
+          <a:srcRect/>
+          <a:stretch>
+            <a:fillRect/>
+          </a:stretch>
         </p:blipFill>
         <p:spPr>
           <a:xfrm>
-            <a:off x="10894024" y="5370653"/>
-            <a:ext cx="1297975" cy="1487348"/>
+            <a:off x="10733722" y="6172200"/>
+            <a:ext cx="1337189" cy="980327"/>
           </a:xfrm>
           <a:prstGeom prst="rect">
             <a:avLst/>
@@ -6133,28 +7243,27 @@
       </p:pic>
       <p:sp>
         <p:nvSpPr>
-          <p:cNvPr id="11" name="TextBox 10"/>
+          <p:cNvPr id="8" name="TextBox 8"/>
           <p:cNvSpPr txBox="1"/>
           <p:nvPr/>
         </p:nvSpPr>
         <p:spPr>
           <a:xfrm>
-            <a:off x="347240" y="113388"/>
-            <a:ext cx="9799937" cy="1015663"/>
+            <a:off x="685800" y="685800"/>
+            <a:ext cx="6070600" cy="830997"/>
           </a:xfrm>
           <a:prstGeom prst="rect">
             <a:avLst/>
           </a:prstGeom>
-          <a:noFill/>
         </p:spPr>
         <p:txBody>
-          <a:bodyPr wrap="square" rtlCol="0">
+          <a:bodyPr wrap="square" lIns="0" tIns="0" rIns="0" bIns="0" rtlCol="0" anchor="t">
             <a:spAutoFit/>
           </a:bodyPr>
           <a:lstStyle/>
           <a:p>
             <a:r>
-              <a:rPr lang="en-US" sz="6000" dirty="0">
+              <a:rPr lang="en-US" sz="5400" dirty="0">
                 <a:latin typeface="Aliens &amp; cows" panose="00000500000000000000" pitchFamily="2" charset="0"/>
               </a:rPr>
               <a:t>Hi, I’m George</a:t>
@@ -6164,10 +7273,10 @@
       </p:sp>
       <p:pic>
         <p:nvPicPr>
-          <p:cNvPr id="2" name="Picture 6" descr="Free photos of Cleveland">
+          <p:cNvPr id="1026" name="Picture 2" descr="Stringfest Analytics main logo">
             <a:extLst>
               <a:ext uri="{FF2B5EF4-FFF2-40B4-BE49-F238E27FC236}">
-                <a16:creationId xmlns:a16="http://schemas.microsoft.com/office/drawing/2014/main" id="{735B7E03-D415-5D79-F61E-E8B7630C0B94}"/>
+                <a16:creationId xmlns:a16="http://schemas.microsoft.com/office/drawing/2014/main" id="{91E3DBD0-9F19-4DA0-9F7B-706217532F3D}"/>
               </a:ext>
             </a:extLst>
           </p:cNvPr>
@@ -6191,8 +7300,8 @@
         </p:blipFill>
         <p:spPr bwMode="auto">
           <a:xfrm>
-            <a:off x="2395007" y="1129051"/>
-            <a:ext cx="3811198" cy="2536829"/>
+            <a:off x="5529212" y="3213595"/>
+            <a:ext cx="3822437" cy="2803369"/>
           </a:xfrm>
           <a:prstGeom prst="rect">
             <a:avLst/>
@@ -6211,10 +7320,10 @@
       </p:pic>
       <p:pic>
         <p:nvPicPr>
-          <p:cNvPr id="5" name="Picture 4" descr="Advancing into Analytics Cover Image">
+          <p:cNvPr id="1028" name="Picture 4" descr="Advancing into Analytics Cover Image">
             <a:extLst>
               <a:ext uri="{FF2B5EF4-FFF2-40B4-BE49-F238E27FC236}">
-                <a16:creationId xmlns:a16="http://schemas.microsoft.com/office/drawing/2014/main" id="{1B32CF75-EAC9-2BF3-264D-9FCCF83CE47D}"/>
+                <a16:creationId xmlns:a16="http://schemas.microsoft.com/office/drawing/2014/main" id="{4CA8B8A9-7FAE-4585-84F4-FB5AE1188654}"/>
               </a:ext>
             </a:extLst>
           </p:cNvPr>
@@ -6238,8 +7347,8 @@
         </p:blipFill>
         <p:spPr bwMode="auto">
           <a:xfrm>
-            <a:off x="7053234" y="2528472"/>
-            <a:ext cx="3093943" cy="4041068"/>
+            <a:off x="7857245" y="685800"/>
+            <a:ext cx="2006723" cy="2621025"/>
           </a:xfrm>
           <a:prstGeom prst="rect">
             <a:avLst/>
@@ -6258,10 +7367,10 @@
       </p:pic>
       <p:pic>
         <p:nvPicPr>
-          <p:cNvPr id="1026" name="Picture 2" descr="Microsoft Most Valuable Professional">
+          <p:cNvPr id="1030" name="Picture 6" descr="Free photos of Cleveland">
             <a:extLst>
               <a:ext uri="{FF2B5EF4-FFF2-40B4-BE49-F238E27FC236}">
-                <a16:creationId xmlns:a16="http://schemas.microsoft.com/office/drawing/2014/main" id="{09FDEC6E-AB1C-5FBB-3AC5-A60E34A22597}"/>
+                <a16:creationId xmlns:a16="http://schemas.microsoft.com/office/drawing/2014/main" id="{84DDC70F-AE5C-4A4D-B6B2-116E4B5D0A8D}"/>
               </a:ext>
             </a:extLst>
           </p:cNvPr>
@@ -6271,7 +7380,7 @@
           <p:nvPr/>
         </p:nvPicPr>
         <p:blipFill>
-          <a:blip r:embed="rId6">
+          <a:blip r:embed="rId6" cstate="print">
             <a:extLst>
               <a:ext uri="{28A0092B-C50C-407E-A947-70E740481C1C}">
                 <a14:useLocalDpi xmlns:a14="http://schemas.microsoft.com/office/drawing/2010/main" val="0"/>
@@ -6285,8 +7394,8 @@
         </p:blipFill>
         <p:spPr bwMode="auto">
           <a:xfrm>
-            <a:off x="7096279" y="467129"/>
-            <a:ext cx="4277265" cy="1725714"/>
+            <a:off x="2002220" y="1900104"/>
+            <a:ext cx="3782223" cy="2517542"/>
           </a:xfrm>
           <a:prstGeom prst="rect">
             <a:avLst/>
@@ -6303,10 +7412,92 @@
           </a:extLst>
         </p:spPr>
       </p:pic>
+      <p:pic>
+        <p:nvPicPr>
+          <p:cNvPr id="10" name="Picture 2" descr="Microsoft Most Valuable Professional">
+            <a:extLst>
+              <a:ext uri="{FF2B5EF4-FFF2-40B4-BE49-F238E27FC236}">
+                <a16:creationId xmlns:a16="http://schemas.microsoft.com/office/drawing/2014/main" id="{4C1AA549-BA39-8AB5-CE72-00CAA75A20AB}"/>
+              </a:ext>
+            </a:extLst>
+          </p:cNvPr>
+          <p:cNvPicPr>
+            <a:picLocks noChangeAspect="1" noChangeArrowheads="1"/>
+          </p:cNvPicPr>
+          <p:nvPr/>
+        </p:nvPicPr>
+        <p:blipFill>
+          <a:blip r:embed="rId7" cstate="print">
+            <a:extLst>
+              <a:ext uri="{28A0092B-C50C-407E-A947-70E740481C1C}">
+                <a14:useLocalDpi xmlns:a14="http://schemas.microsoft.com/office/drawing/2010/main" val="0"/>
+              </a:ext>
+            </a:extLst>
+          </a:blip>
+          <a:srcRect/>
+          <a:stretch>
+            <a:fillRect/>
+          </a:stretch>
+        </p:blipFill>
+        <p:spPr bwMode="auto">
+          <a:xfrm>
+            <a:off x="2559095" y="5511887"/>
+            <a:ext cx="2851510" cy="1150476"/>
+          </a:xfrm>
+          <a:prstGeom prst="rect">
+            <a:avLst/>
+          </a:prstGeom>
+          <a:noFill/>
+          <a:extLst>
+            <a:ext uri="{909E8E84-426E-40DD-AFC4-6F175D3DCCD1}">
+              <a14:hiddenFill xmlns:a14="http://schemas.microsoft.com/office/drawing/2010/main">
+                <a:solidFill>
+                  <a:srgbClr val="FFFFFF"/>
+                </a:solidFill>
+              </a14:hiddenFill>
+            </a:ext>
+          </a:extLst>
+        </p:spPr>
+      </p:pic>
+      <p:pic>
+        <p:nvPicPr>
+          <p:cNvPr id="11" name="Picture 10">
+            <a:extLst>
+              <a:ext uri="{FF2B5EF4-FFF2-40B4-BE49-F238E27FC236}">
+                <a16:creationId xmlns:a16="http://schemas.microsoft.com/office/drawing/2014/main" id="{7F6DE89F-756A-E928-71B4-25688A57CF59}"/>
+              </a:ext>
+            </a:extLst>
+          </p:cNvPr>
+          <p:cNvPicPr>
+            <a:picLocks noChangeAspect="1"/>
+          </p:cNvPicPr>
+          <p:nvPr/>
+        </p:nvPicPr>
+        <p:blipFill rotWithShape="1">
+          <a:blip r:embed="rId8">
+            <a:extLst>
+              <a:ext uri="{28A0092B-C50C-407E-A947-70E740481C1C}">
+                <a14:useLocalDpi xmlns:a14="http://schemas.microsoft.com/office/drawing/2010/main" val="0"/>
+              </a:ext>
+            </a:extLst>
+          </a:blip>
+          <a:srcRect l="50728" t="56371"/>
+          <a:stretch/>
+        </p:blipFill>
+        <p:spPr>
+          <a:xfrm>
+            <a:off x="10894024" y="5370653"/>
+            <a:ext cx="1297975" cy="1487348"/>
+          </a:xfrm>
+          <a:prstGeom prst="rect">
+            <a:avLst/>
+          </a:prstGeom>
+        </p:spPr>
+      </p:pic>
     </p:spTree>
     <p:extLst>
       <p:ext uri="{BB962C8B-B14F-4D97-AF65-F5344CB8AC3E}">
-        <p14:creationId xmlns:p14="http://schemas.microsoft.com/office/powerpoint/2010/main" val="2068380419"/>
+        <p14:creationId xmlns:p14="http://schemas.microsoft.com/office/powerpoint/2010/main" val="4261699584"/>
       </p:ext>
     </p:extLst>
   </p:cSld>
@@ -6388,257 +7579,104 @@
               <a:rPr lang="en-US" sz="6000" dirty="0">
                 <a:latin typeface="Aliens &amp; cows" panose="00000500000000000000" pitchFamily="2" charset="0"/>
               </a:rPr>
-              <a:t>Hi, I’m George</a:t>
-            </a:r>
-          </a:p>
-        </p:txBody>
-      </p:sp>
-      <p:pic>
-        <p:nvPicPr>
-          <p:cNvPr id="2" name="Picture 6" descr="Free photos of Cleveland">
-            <a:extLst>
-              <a:ext uri="{FF2B5EF4-FFF2-40B4-BE49-F238E27FC236}">
-                <a16:creationId xmlns:a16="http://schemas.microsoft.com/office/drawing/2014/main" id="{735B7E03-D415-5D79-F61E-E8B7630C0B94}"/>
-              </a:ext>
-            </a:extLst>
-          </p:cNvPr>
-          <p:cNvPicPr>
-            <a:picLocks noChangeAspect="1" noChangeArrowheads="1"/>
-          </p:cNvPicPr>
+              <a:t>Learning objectives</a:t>
+            </a:r>
+          </a:p>
+        </p:txBody>
+      </p:sp>
+      <p:sp>
+        <p:nvSpPr>
+          <p:cNvPr id="3" name="TextBox 2"/>
+          <p:cNvSpPr txBox="1"/>
           <p:nvPr/>
-        </p:nvPicPr>
-        <p:blipFill>
-          <a:blip r:embed="rId4" cstate="print">
-            <a:extLst>
-              <a:ext uri="{28A0092B-C50C-407E-A947-70E740481C1C}">
-                <a14:useLocalDpi xmlns:a14="http://schemas.microsoft.com/office/drawing/2010/main" val="0"/>
-              </a:ext>
-            </a:extLst>
-          </a:blip>
-          <a:srcRect/>
-          <a:stretch>
-            <a:fillRect/>
-          </a:stretch>
-        </p:blipFill>
-        <p:spPr bwMode="auto">
+        </p:nvSpPr>
+        <p:spPr>
           <a:xfrm>
-            <a:off x="2395007" y="1129051"/>
-            <a:ext cx="3811198" cy="2536829"/>
+            <a:off x="462987" y="1365813"/>
+            <a:ext cx="9595413" cy="954107"/>
           </a:xfrm>
           <a:prstGeom prst="rect">
             <a:avLst/>
           </a:prstGeom>
           <a:noFill/>
-          <a:extLst>
-            <a:ext uri="{909E8E84-426E-40DD-AFC4-6F175D3DCCD1}">
-              <a14:hiddenFill xmlns:a14="http://schemas.microsoft.com/office/drawing/2010/main">
+        </p:spPr>
+        <p:txBody>
+          <a:bodyPr wrap="square" rtlCol="0">
+            <a:spAutoFit/>
+          </a:bodyPr>
+          <a:lstStyle/>
+          <a:p>
+            <a:pPr marL="285750" indent="-285750">
+              <a:buFont typeface="Arial" panose="020B0604020202020204" pitchFamily="34" charset="0"/>
+              <a:buChar char="•"/>
+            </a:pPr>
+            <a:r>
+              <a:rPr lang="en-US" sz="2800" dirty="0">
                 <a:solidFill>
-                  <a:srgbClr val="FFFFFF"/>
+                  <a:srgbClr val="707070"/>
                 </a:solidFill>
-              </a14:hiddenFill>
-            </a:ext>
-          </a:extLst>
-        </p:spPr>
-      </p:pic>
-      <p:pic>
-        <p:nvPicPr>
-          <p:cNvPr id="5" name="Picture 4" descr="Advancing into Analytics Cover Image">
-            <a:extLst>
-              <a:ext uri="{FF2B5EF4-FFF2-40B4-BE49-F238E27FC236}">
-                <a16:creationId xmlns:a16="http://schemas.microsoft.com/office/drawing/2014/main" id="{1B32CF75-EAC9-2BF3-264D-9FCCF83CE47D}"/>
-              </a:ext>
-            </a:extLst>
-          </p:cNvPr>
-          <p:cNvPicPr>
-            <a:picLocks noChangeAspect="1" noChangeArrowheads="1"/>
-          </p:cNvPicPr>
-          <p:nvPr/>
-        </p:nvPicPr>
-        <p:blipFill>
-          <a:blip r:embed="rId5" cstate="print">
-            <a:extLst>
-              <a:ext uri="{28A0092B-C50C-407E-A947-70E740481C1C}">
-                <a14:useLocalDpi xmlns:a14="http://schemas.microsoft.com/office/drawing/2010/main" val="0"/>
-              </a:ext>
-            </a:extLst>
-          </a:blip>
-          <a:srcRect/>
-          <a:stretch>
-            <a:fillRect/>
-          </a:stretch>
-        </p:blipFill>
-        <p:spPr bwMode="auto">
-          <a:xfrm>
-            <a:off x="7053234" y="2528472"/>
-            <a:ext cx="3093943" cy="4041068"/>
-          </a:xfrm>
-          <a:prstGeom prst="rect">
-            <a:avLst/>
-          </a:prstGeom>
-          <a:noFill/>
-          <a:extLst>
-            <a:ext uri="{909E8E84-426E-40DD-AFC4-6F175D3DCCD1}">
-              <a14:hiddenFill xmlns:a14="http://schemas.microsoft.com/office/drawing/2010/main">
+                <a:latin typeface="Pragmatica" panose="020B0403040502020204" pitchFamily="34" charset="0"/>
+              </a:rPr>
+              <a:t>Create an end-to-end Excel automation in Python</a:t>
+            </a:r>
+          </a:p>
+          <a:p>
+            <a:pPr marL="285750" indent="-285750">
+              <a:buFont typeface="Arial" panose="020B0604020202020204" pitchFamily="34" charset="0"/>
+              <a:buChar char="•"/>
+            </a:pPr>
+            <a:r>
+              <a:rPr lang="en-US" sz="2800" dirty="0">
                 <a:solidFill>
-                  <a:srgbClr val="FFFFFF"/>
+                  <a:srgbClr val="707070"/>
                 </a:solidFill>
-              </a14:hiddenFill>
-            </a:ext>
-          </a:extLst>
-        </p:spPr>
-      </p:pic>
-      <p:pic>
-        <p:nvPicPr>
-          <p:cNvPr id="1026" name="Picture 2" descr="Microsoft Most Valuable Professional">
-            <a:extLst>
-              <a:ext uri="{FF2B5EF4-FFF2-40B4-BE49-F238E27FC236}">
-                <a16:creationId xmlns:a16="http://schemas.microsoft.com/office/drawing/2014/main" id="{09FDEC6E-AB1C-5FBB-3AC5-A60E34A22597}"/>
-              </a:ext>
-            </a:extLst>
-          </p:cNvPr>
-          <p:cNvPicPr>
-            <a:picLocks noChangeAspect="1" noChangeArrowheads="1"/>
-          </p:cNvPicPr>
-          <p:nvPr/>
-        </p:nvPicPr>
-        <p:blipFill>
-          <a:blip r:embed="rId6">
-            <a:extLst>
-              <a:ext uri="{28A0092B-C50C-407E-A947-70E740481C1C}">
-                <a14:useLocalDpi xmlns:a14="http://schemas.microsoft.com/office/drawing/2010/main" val="0"/>
-              </a:ext>
-            </a:extLst>
-          </a:blip>
-          <a:srcRect/>
-          <a:stretch>
-            <a:fillRect/>
-          </a:stretch>
-        </p:blipFill>
-        <p:spPr bwMode="auto">
-          <a:xfrm>
-            <a:off x="7096279" y="467129"/>
-            <a:ext cx="4277265" cy="1725714"/>
-          </a:xfrm>
-          <a:prstGeom prst="rect">
-            <a:avLst/>
-          </a:prstGeom>
-          <a:noFill/>
-          <a:extLst>
-            <a:ext uri="{909E8E84-426E-40DD-AFC4-6F175D3DCCD1}">
-              <a14:hiddenFill xmlns:a14="http://schemas.microsoft.com/office/drawing/2010/main">
+                <a:latin typeface="Pragmatica" panose="020B0403040502020204" pitchFamily="34" charset="0"/>
+              </a:rPr>
+              <a:t>Situate </a:t>
+            </a:r>
+            <a:r>
+              <a:rPr lang="en-US" sz="2800" dirty="0">
                 <a:solidFill>
-                  <a:srgbClr val="FFFFFF"/>
+                  <a:srgbClr val="707070"/>
                 </a:solidFill>
-              </a14:hiddenFill>
-            </a:ext>
-          </a:extLst>
-        </p:spPr>
-      </p:pic>
-      <p:pic>
-        <p:nvPicPr>
-          <p:cNvPr id="3" name="Picture 2" descr="Free photos of People">
-            <a:extLst>
-              <a:ext uri="{FF2B5EF4-FFF2-40B4-BE49-F238E27FC236}">
-                <a16:creationId xmlns:a16="http://schemas.microsoft.com/office/drawing/2014/main" id="{A86CCC75-DB4B-E404-8382-E55DB576A87B}"/>
-              </a:ext>
-            </a:extLst>
-          </p:cNvPr>
-          <p:cNvPicPr>
-            <a:picLocks noChangeAspect="1" noChangeArrowheads="1"/>
-          </p:cNvPicPr>
-          <p:nvPr/>
-        </p:nvPicPr>
-        <p:blipFill>
-          <a:blip r:embed="rId7" cstate="print">
-            <a:extLst>
-              <a:ext uri="{28A0092B-C50C-407E-A947-70E740481C1C}">
-                <a14:useLocalDpi xmlns:a14="http://schemas.microsoft.com/office/drawing/2010/main" val="0"/>
-              </a:ext>
-            </a:extLst>
-          </a:blip>
-          <a:srcRect/>
-          <a:stretch>
-            <a:fillRect/>
-          </a:stretch>
-        </p:blipFill>
-        <p:spPr bwMode="auto">
-          <a:xfrm>
-            <a:off x="1324626" y="3916394"/>
-            <a:ext cx="3829176" cy="2536829"/>
-          </a:xfrm>
-          <a:prstGeom prst="rect">
-            <a:avLst/>
-          </a:prstGeom>
-          <a:noFill/>
-          <a:extLst>
-            <a:ext uri="{909E8E84-426E-40DD-AFC4-6F175D3DCCD1}">
-              <a14:hiddenFill xmlns:a14="http://schemas.microsoft.com/office/drawing/2010/main">
+                <a:latin typeface="Consolas" panose="020B0609020204030204" pitchFamily="49" charset="0"/>
+              </a:rPr>
+              <a:t>pandas</a:t>
+            </a:r>
+            <a:r>
+              <a:rPr lang="en-US" sz="2800" dirty="0">
                 <a:solidFill>
-                  <a:srgbClr val="FFFFFF"/>
+                  <a:srgbClr val="707070"/>
                 </a:solidFill>
-              </a14:hiddenFill>
-            </a:ext>
-          </a:extLst>
-        </p:spPr>
-      </p:pic>
-      <p:sp>
-        <p:nvSpPr>
-          <p:cNvPr id="4" name="Multiplication Sign 3">
-            <a:extLst>
-              <a:ext uri="{FF2B5EF4-FFF2-40B4-BE49-F238E27FC236}">
-                <a16:creationId xmlns:a16="http://schemas.microsoft.com/office/drawing/2014/main" id="{2E39627E-16E0-C703-2F7A-26D06879605C}"/>
-              </a:ext>
-            </a:extLst>
-          </p:cNvPr>
-          <p:cNvSpPr/>
-          <p:nvPr/>
-        </p:nvSpPr>
-        <p:spPr>
-          <a:xfrm>
-            <a:off x="-205660" y="3051208"/>
-            <a:ext cx="7010400" cy="4267200"/>
-          </a:xfrm>
-          <a:prstGeom prst="mathMultiply">
-            <a:avLst>
-              <a:gd name="adj1" fmla="val 4936"/>
-            </a:avLst>
-          </a:prstGeom>
-          <a:solidFill>
-            <a:srgbClr val="CF3338"/>
-          </a:solidFill>
-          <a:ln>
-            <a:noFill/>
-          </a:ln>
-        </p:spPr>
-        <p:style>
-          <a:lnRef idx="2">
-            <a:schemeClr val="accent1">
-              <a:shade val="50000"/>
-            </a:schemeClr>
-          </a:lnRef>
-          <a:fillRef idx="1">
-            <a:schemeClr val="accent1"/>
-          </a:fillRef>
-          <a:effectRef idx="0">
-            <a:schemeClr val="accent1"/>
-          </a:effectRef>
-          <a:fontRef idx="minor">
-            <a:schemeClr val="lt1"/>
-          </a:fontRef>
-        </p:style>
-        <p:txBody>
-          <a:bodyPr rtlCol="0" anchor="ctr"/>
-          <a:lstStyle/>
-          <a:p>
-            <a:pPr algn="ctr"/>
-            <a:endParaRPr lang="en-US"/>
+                <a:latin typeface="Pragmatica" panose="020B0403040502020204" pitchFamily="34" charset="0"/>
+              </a:rPr>
+              <a:t> versus </a:t>
+            </a:r>
+            <a:r>
+              <a:rPr lang="en-US" sz="2800" dirty="0" err="1">
+                <a:solidFill>
+                  <a:srgbClr val="707070"/>
+                </a:solidFill>
+                <a:latin typeface="Consolas" panose="020B0609020204030204" pitchFamily="49" charset="0"/>
+              </a:rPr>
+              <a:t>openpyxl</a:t>
+            </a:r>
+            <a:r>
+              <a:rPr lang="en-US" sz="2800" dirty="0">
+                <a:solidFill>
+                  <a:srgbClr val="707070"/>
+                </a:solidFill>
+                <a:latin typeface="Pragmatica" panose="020B0403040502020204" pitchFamily="34" charset="0"/>
+              </a:rPr>
+              <a:t> versus Power Query</a:t>
+            </a:r>
           </a:p>
         </p:txBody>
       </p:sp>
     </p:spTree>
     <p:extLst>
       <p:ext uri="{BB962C8B-B14F-4D97-AF65-F5344CB8AC3E}">
-        <p14:creationId xmlns:p14="http://schemas.microsoft.com/office/powerpoint/2010/main" val="35701920"/>
+        <p14:creationId xmlns:p14="http://schemas.microsoft.com/office/powerpoint/2010/main" val="1144046251"/>
       </p:ext>
     </p:extLst>
   </p:cSld>
@@ -6867,7 +7905,7 @@
               <a:rPr lang="en-US" sz="6000" dirty="0">
                 <a:latin typeface="Aliens &amp; cows" panose="00000500000000000000" pitchFamily="2" charset="0"/>
               </a:rPr>
-              <a:t>Learning objectives</a:t>
+              <a:t>Terms of engagement</a:t>
             </a:r>
           </a:p>
         </p:txBody>
@@ -6881,7 +7919,7 @@
         <p:spPr>
           <a:xfrm>
             <a:off x="462987" y="1365813"/>
-            <a:ext cx="9595413" cy="954107"/>
+            <a:ext cx="9595413" cy="4438074"/>
           </a:xfrm>
           <a:prstGeom prst="rect">
             <a:avLst/>
@@ -6894,69 +7932,160 @@
           </a:bodyPr>
           <a:lstStyle/>
           <a:p>
-            <a:pPr marL="285750" indent="-285750">
+            <a:pPr marL="457200" indent="-457200">
+              <a:lnSpc>
+                <a:spcPts val="3750"/>
+              </a:lnSpc>
               <a:buFont typeface="Arial" panose="020B0604020202020204" pitchFamily="34" charset="0"/>
               <a:buChar char="•"/>
             </a:pPr>
             <a:r>
-              <a:rPr lang="en-US" sz="2800" dirty="0">
+              <a:rPr lang="en-US" sz="2800" spc="30" dirty="0">
                 <a:solidFill>
-                  <a:srgbClr val="707070"/>
+                  <a:srgbClr val="000000"/>
                 </a:solidFill>
-                <a:latin typeface="Pragmatica" panose="020B0403040502020204" pitchFamily="34" charset="0"/>
+                <a:latin typeface="Gidole"/>
               </a:rPr>
-              <a:t>Create an end-to-end Excel automation in Python</a:t>
-            </a:r>
-          </a:p>
-          <a:p>
-            <a:pPr marL="285750" indent="-285750">
+              <a:t>Feel free to share the download link with latecomers </a:t>
+            </a:r>
+            <a:r>
+              <a:rPr lang="en-US" sz="2800" spc="30" dirty="0">
+                <a:solidFill>
+                  <a:srgbClr val="000000"/>
+                </a:solidFill>
+                <a:latin typeface="Gidole"/>
+                <a:sym typeface="Wingdings" panose="05000000000000000000" pitchFamily="2" charset="2"/>
+              </a:rPr>
+              <a:t> </a:t>
+            </a:r>
+            <a:br>
+              <a:rPr lang="en-US" sz="2800" spc="30" dirty="0">
+                <a:solidFill>
+                  <a:srgbClr val="000000"/>
+                </a:solidFill>
+                <a:latin typeface="Gidole"/>
+                <a:sym typeface="Wingdings" panose="05000000000000000000" pitchFamily="2" charset="2"/>
+              </a:rPr>
+            </a:br>
+            <a:endParaRPr lang="en-US" sz="2800" spc="30" dirty="0">
+              <a:solidFill>
+                <a:srgbClr val="000000"/>
+              </a:solidFill>
+              <a:latin typeface="Gidole"/>
+            </a:endParaRPr>
+          </a:p>
+          <a:p>
+            <a:pPr marL="457200" indent="-457200">
+              <a:lnSpc>
+                <a:spcPts val="3750"/>
+              </a:lnSpc>
               <a:buFont typeface="Arial" panose="020B0604020202020204" pitchFamily="34" charset="0"/>
               <a:buChar char="•"/>
             </a:pPr>
             <a:r>
-              <a:rPr lang="en-US" sz="2800" dirty="0">
+              <a:rPr lang="en-US" sz="2800" spc="30" dirty="0">
                 <a:solidFill>
-                  <a:srgbClr val="707070"/>
+                  <a:srgbClr val="000000"/>
                 </a:solidFill>
-                <a:latin typeface="Pragmatica" panose="020B0403040502020204" pitchFamily="34" charset="0"/>
+                <a:latin typeface="Gidole"/>
               </a:rPr>
-              <a:t>Situate </a:t>
-            </a:r>
-            <a:r>
-              <a:rPr lang="en-US" sz="2800" dirty="0">
+              <a:t>Participation is welcome via the chat/unmute</a:t>
+            </a:r>
+            <a:br>
+              <a:rPr lang="en-US" sz="2800" spc="30" dirty="0">
                 <a:solidFill>
-                  <a:srgbClr val="707070"/>
+                  <a:srgbClr val="000000"/>
                 </a:solidFill>
-                <a:latin typeface="Consolas" panose="020B0609020204030204" pitchFamily="49" charset="0"/>
+                <a:latin typeface="Gidole"/>
               </a:rPr>
-              <a:t>pandas</a:t>
-            </a:r>
-            <a:r>
-              <a:rPr lang="en-US" sz="2800" dirty="0">
+            </a:br>
+            <a:endParaRPr lang="en-US" sz="2800" spc="30" dirty="0">
+              <a:solidFill>
+                <a:srgbClr val="000000"/>
+              </a:solidFill>
+              <a:latin typeface="Gidole"/>
+            </a:endParaRPr>
+          </a:p>
+          <a:p>
+            <a:pPr marL="457200" indent="-457200">
+              <a:lnSpc>
+                <a:spcPts val="3750"/>
+              </a:lnSpc>
+              <a:buFont typeface="Arial" panose="020B0604020202020204" pitchFamily="34" charset="0"/>
+              <a:buChar char="•"/>
+            </a:pPr>
+            <a:r>
+              <a:rPr lang="en-US" sz="2800" spc="30" dirty="0">
                 <a:solidFill>
-                  <a:srgbClr val="707070"/>
+                  <a:srgbClr val="000000"/>
                 </a:solidFill>
-                <a:latin typeface="Pragmatica" panose="020B0403040502020204" pitchFamily="34" charset="0"/>
+                <a:latin typeface="Gidole"/>
               </a:rPr>
-              <a:t> versus </a:t>
-            </a:r>
-            <a:r>
-              <a:rPr lang="en-US" sz="2800" dirty="0" err="1">
+              <a:t>Demos work best with 365 + Anaconda 3 for Windows </a:t>
+            </a:r>
+            <a:br>
+              <a:rPr lang="en-US" sz="2800" spc="30" dirty="0">
                 <a:solidFill>
-                  <a:srgbClr val="707070"/>
+                  <a:srgbClr val="000000"/>
                 </a:solidFill>
-                <a:latin typeface="Consolas" panose="020B0609020204030204" pitchFamily="49" charset="0"/>
+                <a:latin typeface="Gidole"/>
               </a:rPr>
-              <a:t>openpyxl</a:t>
-            </a:r>
-            <a:r>
-              <a:rPr lang="en-US" sz="2800" dirty="0">
+            </a:br>
+            <a:endParaRPr lang="en-US" sz="2800" spc="30" dirty="0">
+              <a:solidFill>
+                <a:srgbClr val="000000"/>
+              </a:solidFill>
+              <a:latin typeface="Gidole"/>
+            </a:endParaRPr>
+          </a:p>
+          <a:p>
+            <a:pPr marL="457200" indent="-457200">
+              <a:lnSpc>
+                <a:spcPts val="3750"/>
+              </a:lnSpc>
+              <a:buFont typeface="Arial" panose="020B0604020202020204" pitchFamily="34" charset="0"/>
+              <a:buChar char="•"/>
+            </a:pPr>
+            <a:r>
+              <a:rPr lang="en-US" sz="2800" spc="30" dirty="0">
                 <a:solidFill>
-                  <a:srgbClr val="707070"/>
+                  <a:srgbClr val="000000"/>
                 </a:solidFill>
-                <a:latin typeface="Pragmatica" panose="020B0403040502020204" pitchFamily="34" charset="0"/>
+                <a:latin typeface="Gidole"/>
               </a:rPr>
-              <a:t> versus Power Query</a:t>
+              <a:t>Recording goes out later today and is up for one week</a:t>
+            </a:r>
+            <a:br>
+              <a:rPr lang="en-US" sz="2800" spc="30" dirty="0">
+                <a:solidFill>
+                  <a:srgbClr val="000000"/>
+                </a:solidFill>
+                <a:latin typeface="Gidole"/>
+              </a:rPr>
+            </a:br>
+            <a:endParaRPr lang="en-US" sz="2800" spc="30" dirty="0">
+              <a:solidFill>
+                <a:srgbClr val="000000"/>
+              </a:solidFill>
+              <a:latin typeface="Gidole"/>
+            </a:endParaRPr>
+          </a:p>
+          <a:p>
+            <a:pPr marL="457200" indent="-457200">
+              <a:lnSpc>
+                <a:spcPts val="3750"/>
+              </a:lnSpc>
+              <a:buFont typeface="Arial" panose="020B0604020202020204" pitchFamily="34" charset="0"/>
+              <a:buChar char="•"/>
+            </a:pPr>
+            <a:r>
+              <a:rPr lang="en-US" sz="2800" spc="30" dirty="0">
+                <a:solidFill>
+                  <a:srgbClr val="000000"/>
+                </a:solidFill>
+                <a:latin typeface="Gidole"/>
+              </a:rPr>
+              <a:t>I will do my best to answer your questions</a:t>
             </a:r>
           </a:p>
         </p:txBody>
@@ -6964,7 +8093,7 @@
     </p:spTree>
     <p:extLst>
       <p:ext uri="{BB962C8B-B14F-4D97-AF65-F5344CB8AC3E}">
-        <p14:creationId xmlns:p14="http://schemas.microsoft.com/office/powerpoint/2010/main" val="1144046251"/>
+        <p14:creationId xmlns:p14="http://schemas.microsoft.com/office/powerpoint/2010/main" val="735416566"/>
       </p:ext>
     </p:extLst>
   </p:cSld>
@@ -7903,29 +9032,212 @@
           <a:chExt cx="0" cy="0"/>
         </a:xfrm>
       </p:grpSpPr>
+      <p:sp>
+        <p:nvSpPr>
+          <p:cNvPr id="2" name="AutoShape 2"/>
+          <p:cNvSpPr/>
+          <p:nvPr/>
+        </p:nvSpPr>
+        <p:spPr>
+          <a:xfrm>
+            <a:off x="1" y="-37593"/>
+            <a:ext cx="6855827" cy="6933187"/>
+          </a:xfrm>
+          <a:prstGeom prst="rect">
+            <a:avLst/>
+          </a:prstGeom>
+          <a:solidFill>
+            <a:srgbClr val="CF3338"/>
+          </a:solidFill>
+        </p:spPr>
+        <p:txBody>
+          <a:bodyPr/>
+          <a:lstStyle/>
+          <a:p>
+            <a:endParaRPr lang="en-US" sz="1200"/>
+          </a:p>
+        </p:txBody>
+      </p:sp>
+      <p:grpSp>
+        <p:nvGrpSpPr>
+          <p:cNvPr id="3" name="Group 3"/>
+          <p:cNvGrpSpPr/>
+          <p:nvPr/>
+        </p:nvGrpSpPr>
+        <p:grpSpPr>
+          <a:xfrm rot="5400000">
+            <a:off x="6638" y="-6638"/>
+            <a:ext cx="6842552" cy="6855827"/>
+            <a:chOff x="0" y="0"/>
+            <a:chExt cx="6350000" cy="6339840"/>
+          </a:xfrm>
+        </p:grpSpPr>
+        <p:sp>
+          <p:nvSpPr>
+            <p:cNvPr id="4" name="Freeform 4"/>
+            <p:cNvSpPr/>
+            <p:nvPr/>
+          </p:nvSpPr>
+          <p:spPr>
+            <a:xfrm>
+              <a:off x="0" y="0"/>
+              <a:ext cx="6350000" cy="6339840"/>
+            </a:xfrm>
+            <a:custGeom>
+              <a:avLst/>
+              <a:gdLst/>
+              <a:ahLst/>
+              <a:cxnLst/>
+              <a:rect l="l" t="t" r="r" b="b"/>
+              <a:pathLst>
+                <a:path w="6350000" h="6339840">
+                  <a:moveTo>
+                    <a:pt x="6350000" y="6339840"/>
+                  </a:moveTo>
+                  <a:lnTo>
+                    <a:pt x="0" y="6339840"/>
+                  </a:lnTo>
+                  <a:lnTo>
+                    <a:pt x="0" y="0"/>
+                  </a:lnTo>
+                  <a:close/>
+                </a:path>
+              </a:pathLst>
+            </a:custGeom>
+            <a:solidFill>
+              <a:srgbClr val="3D3935">
+                <a:alpha val="19607"/>
+              </a:srgbClr>
+            </a:solidFill>
+          </p:spPr>
+          <p:txBody>
+            <a:bodyPr/>
+            <a:lstStyle/>
+            <a:p>
+              <a:endParaRPr lang="en-US" sz="1200"/>
+            </a:p>
+          </p:txBody>
+        </p:sp>
+      </p:grpSp>
+      <p:sp>
+        <p:nvSpPr>
+          <p:cNvPr id="5" name="TextBox 5"/>
+          <p:cNvSpPr txBox="1"/>
+          <p:nvPr/>
+        </p:nvSpPr>
+        <p:spPr>
+          <a:xfrm>
+            <a:off x="886474" y="1973729"/>
+            <a:ext cx="5082879" cy="1124154"/>
+          </a:xfrm>
+          <a:prstGeom prst="rect">
+            <a:avLst/>
+          </a:prstGeom>
+        </p:spPr>
+        <p:txBody>
+          <a:bodyPr lIns="0" tIns="0" rIns="0" bIns="0" rtlCol="0" anchor="t">
+            <a:spAutoFit/>
+          </a:bodyPr>
+          <a:lstStyle/>
+          <a:p>
+            <a:pPr marL="304815" indent="-304815">
+              <a:lnSpc>
+                <a:spcPts val="3015"/>
+              </a:lnSpc>
+              <a:buFont typeface="Arial" panose="020B0604020202020204" pitchFamily="34" charset="0"/>
+              <a:buChar char="•"/>
+            </a:pPr>
+            <a:r>
+              <a:rPr lang="en-US" sz="2267" spc="227" dirty="0">
+                <a:solidFill>
+                  <a:schemeClr val="bg1"/>
+                </a:solidFill>
+                <a:latin typeface="Gidole"/>
+              </a:rPr>
+              <a:t>Learn more and where to get it: </a:t>
+            </a:r>
+            <a:r>
+              <a:rPr lang="en-US" sz="2267" spc="227" dirty="0">
+                <a:solidFill>
+                  <a:schemeClr val="bg1"/>
+                </a:solidFill>
+                <a:latin typeface="Gidole"/>
+                <a:hlinkClick r:id="rId3">
+                  <a:extLst>
+                    <a:ext uri="{A12FA001-AC4F-418D-AE19-62706E023703}">
+                      <ahyp:hlinkClr xmlns:ahyp="http://schemas.microsoft.com/office/drawing/2018/hyperlinkcolor" val="tx"/>
+                    </a:ext>
+                  </a:extLst>
+                </a:hlinkClick>
+              </a:rPr>
+              <a:t>stringfestanalytics.com/book  </a:t>
+            </a:r>
+            <a:endParaRPr lang="en-US" sz="2267" spc="227" dirty="0">
+              <a:solidFill>
+                <a:schemeClr val="bg1"/>
+              </a:solidFill>
+              <a:latin typeface="Gidole"/>
+            </a:endParaRPr>
+          </a:p>
+        </p:txBody>
+      </p:sp>
+      <p:sp>
+        <p:nvSpPr>
+          <p:cNvPr id="6" name="TextBox 6"/>
+          <p:cNvSpPr txBox="1"/>
+          <p:nvPr/>
+        </p:nvSpPr>
+        <p:spPr>
+          <a:xfrm rot="5400000">
+            <a:off x="10021203" y="4657031"/>
+            <a:ext cx="2489935" cy="540404"/>
+          </a:xfrm>
+          <a:prstGeom prst="rect">
+            <a:avLst/>
+          </a:prstGeom>
+        </p:spPr>
+        <p:txBody>
+          <a:bodyPr lIns="0" tIns="0" rIns="0" bIns="0" rtlCol="0" anchor="t">
+            <a:spAutoFit/>
+          </a:bodyPr>
+          <a:lstStyle/>
+          <a:p>
+            <a:pPr algn="r">
+              <a:lnSpc>
+                <a:spcPts val="2239"/>
+              </a:lnSpc>
+            </a:pPr>
+            <a:r>
+              <a:rPr lang="en-US" sz="1600" spc="128">
+                <a:solidFill>
+                  <a:srgbClr val="F2F0F4"/>
+                </a:solidFill>
+                <a:latin typeface="Gidole"/>
+              </a:rPr>
+              <a:t>Human Centered Design • MDLS 2020</a:t>
+            </a:r>
+          </a:p>
+        </p:txBody>
+      </p:sp>
       <p:pic>
         <p:nvPicPr>
-          <p:cNvPr id="10" name="Picture 9"/>
+          <p:cNvPr id="7" name="Picture 7"/>
           <p:cNvPicPr>
             <a:picLocks noChangeAspect="1"/>
           </p:cNvPicPr>
           <p:nvPr/>
         </p:nvPicPr>
-        <p:blipFill rotWithShape="1">
-          <a:blip r:embed="rId3">
-            <a:extLst>
-              <a:ext uri="{28A0092B-C50C-407E-A947-70E740481C1C}">
-                <a14:useLocalDpi xmlns:a14="http://schemas.microsoft.com/office/drawing/2010/main" val="0"/>
-              </a:ext>
-            </a:extLst>
-          </a:blip>
-          <a:srcRect l="50728" t="56371"/>
-          <a:stretch/>
+        <p:blipFill>
+          <a:blip r:embed="rId4"/>
+          <a:srcRect/>
+          <a:stretch>
+            <a:fillRect/>
+          </a:stretch>
         </p:blipFill>
         <p:spPr>
           <a:xfrm>
-            <a:off x="10894024" y="5370653"/>
-            <a:ext cx="1297975" cy="1487348"/>
+            <a:off x="10733722" y="6172200"/>
+            <a:ext cx="1337189" cy="980327"/>
           </a:xfrm>
           <a:prstGeom prst="rect">
             <a:avLst/>
@@ -7934,149 +9246,51 @@
       </p:pic>
       <p:sp>
         <p:nvSpPr>
-          <p:cNvPr id="11" name="TextBox 10"/>
+          <p:cNvPr id="9" name="TextBox 9"/>
           <p:cNvSpPr txBox="1"/>
           <p:nvPr/>
         </p:nvSpPr>
         <p:spPr>
           <a:xfrm>
-            <a:off x="347240" y="113388"/>
-            <a:ext cx="10861534" cy="1015663"/>
+            <a:off x="438381" y="628650"/>
+            <a:ext cx="5657619" cy="456856"/>
           </a:xfrm>
           <a:prstGeom prst="rect">
             <a:avLst/>
           </a:prstGeom>
-          <a:noFill/>
         </p:spPr>
         <p:txBody>
-          <a:bodyPr wrap="square" rtlCol="0">
+          <a:bodyPr lIns="0" tIns="0" rIns="0" bIns="0" rtlCol="0" anchor="t">
             <a:spAutoFit/>
           </a:bodyPr>
           <a:lstStyle/>
           <a:p>
-            <a:r>
-              <a:rPr lang="en-US" sz="6000" dirty="0">
-                <a:latin typeface="Aliens &amp; cows" panose="00000500000000000000" pitchFamily="2" charset="0"/>
+            <a:pPr>
+              <a:lnSpc>
+                <a:spcPts val="3920"/>
+              </a:lnSpc>
+              <a:spcBef>
+                <a:spcPct val="0"/>
+              </a:spcBef>
+            </a:pPr>
+            <a:r>
+              <a:rPr lang="en-US" sz="2800" i="1" dirty="0">
+                <a:solidFill>
+                  <a:srgbClr val="FFFFFF"/>
+                </a:solidFill>
+                <a:latin typeface="League Spartan"/>
               </a:rPr>
-              <a:t>Recommended reading</a:t>
-            </a:r>
-          </a:p>
-        </p:txBody>
-      </p:sp>
-      <p:sp>
-        <p:nvSpPr>
-          <p:cNvPr id="4" name="TextBox 3">
+              <a:t>Advancing into Analytics</a:t>
+            </a:r>
+          </a:p>
+        </p:txBody>
+      </p:sp>
+      <p:pic>
+        <p:nvPicPr>
+          <p:cNvPr id="1026" name="Picture 2" descr="Advancing into Analytics Cover Image">
             <a:extLst>
               <a:ext uri="{FF2B5EF4-FFF2-40B4-BE49-F238E27FC236}">
-                <a16:creationId xmlns:a16="http://schemas.microsoft.com/office/drawing/2014/main" id="{5A4F6C64-3E8D-4255-95B8-CF64265213DA}"/>
-              </a:ext>
-            </a:extLst>
-          </p:cNvPr>
-          <p:cNvSpPr txBox="1"/>
-          <p:nvPr/>
-        </p:nvSpPr>
-        <p:spPr>
-          <a:xfrm>
-            <a:off x="347240" y="1465093"/>
-            <a:ext cx="8255987" cy="1815882"/>
-          </a:xfrm>
-          <a:prstGeom prst="rect">
-            <a:avLst/>
-          </a:prstGeom>
-          <a:noFill/>
-        </p:spPr>
-        <p:txBody>
-          <a:bodyPr wrap="square" rtlCol="0">
-            <a:spAutoFit/>
-          </a:bodyPr>
-          <a:lstStyle/>
-          <a:p>
-            <a:pPr marL="457200" indent="-457200">
-              <a:buClr>
-                <a:srgbClr val="CF3338"/>
-              </a:buClr>
-              <a:buFont typeface="Arial" panose="020B0604020202020204" pitchFamily="34" charset="0"/>
-              <a:buChar char="•"/>
-            </a:pPr>
-            <a:r>
-              <a:rPr lang="en-US" sz="2800" i="1" dirty="0">
-                <a:solidFill>
-                  <a:srgbClr val="707070"/>
-                </a:solidFill>
-                <a:latin typeface="Pragmatica" panose="020B0403040502020204" pitchFamily="34" charset="0"/>
-              </a:rPr>
-              <a:t>Advancing into Analytics </a:t>
-            </a:r>
-            <a:r>
-              <a:rPr lang="en-US" sz="2800" dirty="0">
-                <a:solidFill>
-                  <a:srgbClr val="707070"/>
-                </a:solidFill>
-                <a:latin typeface="Pragmatica" panose="020B0403040502020204" pitchFamily="34" charset="0"/>
-              </a:rPr>
-              <a:t>by George Mount</a:t>
-            </a:r>
-          </a:p>
-          <a:p>
-            <a:pPr marL="914400" lvl="1" indent="-457200">
-              <a:buClr>
-                <a:srgbClr val="CF3338"/>
-              </a:buClr>
-              <a:buFont typeface="Arial" panose="020B0604020202020204" pitchFamily="34" charset="0"/>
-              <a:buChar char="•"/>
-            </a:pPr>
-            <a:r>
-              <a:rPr lang="en-US" sz="2800" dirty="0">
-                <a:solidFill>
-                  <a:srgbClr val="707070"/>
-                </a:solidFill>
-                <a:latin typeface="Pragmatica" panose="020B0403040502020204" pitchFamily="34" charset="0"/>
-              </a:rPr>
-              <a:t>More info about </a:t>
-            </a:r>
-            <a:r>
-              <a:rPr lang="en-US" sz="2800" dirty="0">
-                <a:solidFill>
-                  <a:srgbClr val="707070"/>
-                </a:solidFill>
-                <a:latin typeface="Pragmatica" panose="020B0403040502020204" pitchFamily="34" charset="0"/>
-                <a:hlinkClick r:id="rId4"/>
-              </a:rPr>
-              <a:t>http://stringfestanalytics.com/book/</a:t>
-            </a:r>
-            <a:r>
-              <a:rPr lang="en-US" sz="2800" dirty="0">
-                <a:solidFill>
-                  <a:srgbClr val="707070"/>
-                </a:solidFill>
-                <a:latin typeface="Pragmatica" panose="020B0403040502020204" pitchFamily="34" charset="0"/>
-              </a:rPr>
-              <a:t> , including how to </a:t>
-            </a:r>
-            <a:r>
-              <a:rPr lang="en-US" sz="2800" i="1" dirty="0">
-                <a:solidFill>
-                  <a:srgbClr val="707070"/>
-                </a:solidFill>
-                <a:latin typeface="Pragmatica" panose="020B0403040502020204" pitchFamily="34" charset="0"/>
-              </a:rPr>
-              <a:t>read for free!</a:t>
-            </a:r>
-            <a:endParaRPr lang="en-US" sz="2800" dirty="0">
-              <a:solidFill>
-                <a:srgbClr val="707070"/>
-              </a:solidFill>
-              <a:latin typeface="Pragmatica" panose="020B0403040502020204" pitchFamily="34" charset="0"/>
-            </a:endParaRPr>
-          </a:p>
-        </p:txBody>
-      </p:sp>
-      <p:pic>
-        <p:nvPicPr>
-          <p:cNvPr id="4098" name="Picture 2" descr="Advancing into Analytics Cover Image">
-            <a:extLst>
-              <a:ext uri="{FF2B5EF4-FFF2-40B4-BE49-F238E27FC236}">
-                <a16:creationId xmlns:a16="http://schemas.microsoft.com/office/drawing/2014/main" id="{58958D3C-C4DB-4EBB-9EE6-AA9672AA9979}"/>
+                <a16:creationId xmlns:a16="http://schemas.microsoft.com/office/drawing/2014/main" id="{00C62AD1-5F52-8AC7-E07B-DF6689697F17}"/>
               </a:ext>
             </a:extLst>
           </p:cNvPr>
@@ -8100,8 +9314,8 @@
         </p:blipFill>
         <p:spPr bwMode="auto">
           <a:xfrm>
-            <a:off x="8322631" y="1804894"/>
-            <a:ext cx="3869369" cy="5053106"/>
+            <a:off x="7571264" y="701615"/>
+            <a:ext cx="3760585" cy="4911785"/>
           </a:xfrm>
           <a:prstGeom prst="rect">
             <a:avLst/>
@@ -8118,70 +9332,10 @@
           </a:extLst>
         </p:spPr>
       </p:pic>
-      <p:sp>
-        <p:nvSpPr>
-          <p:cNvPr id="2" name="Rectangle 1">
-            <a:extLst>
-              <a:ext uri="{FF2B5EF4-FFF2-40B4-BE49-F238E27FC236}">
-                <a16:creationId xmlns:a16="http://schemas.microsoft.com/office/drawing/2014/main" id="{6681DC4C-77BB-4A7B-909D-F6A177016ADE}"/>
-              </a:ext>
-            </a:extLst>
-          </p:cNvPr>
-          <p:cNvSpPr/>
-          <p:nvPr/>
-        </p:nvSpPr>
-        <p:spPr>
-          <a:xfrm>
-            <a:off x="278504" y="4038436"/>
-            <a:ext cx="7697694" cy="2062103"/>
-          </a:xfrm>
-          <a:prstGeom prst="rect">
-            <a:avLst/>
-          </a:prstGeom>
-        </p:spPr>
-        <p:txBody>
-          <a:bodyPr wrap="square">
-            <a:spAutoFit/>
-          </a:bodyPr>
-          <a:lstStyle/>
-          <a:p>
-            <a:pPr>
-              <a:buClr>
-                <a:srgbClr val="CF3338"/>
-              </a:buClr>
-            </a:pPr>
-            <a:r>
-              <a:rPr lang="en-US" sz="3200" dirty="0">
-                <a:solidFill>
-                  <a:srgbClr val="707070"/>
-                </a:solidFill>
-                <a:latin typeface="Pragmatica" panose="020B0403040502020204" pitchFamily="34" charset="0"/>
-              </a:rPr>
-              <a:t>“By the end of this book, you should be able to conduct exploratory data analysis and</a:t>
-            </a:r>
-          </a:p>
-          <a:p>
-            <a:pPr>
-              <a:buClr>
-                <a:srgbClr val="CF3338"/>
-              </a:buClr>
-            </a:pPr>
-            <a:r>
-              <a:rPr lang="en-US" sz="3200" dirty="0">
-                <a:solidFill>
-                  <a:srgbClr val="707070"/>
-                </a:solidFill>
-                <a:latin typeface="Pragmatica" panose="020B0403040502020204" pitchFamily="34" charset="0"/>
-              </a:rPr>
-              <a:t>hypothesis testing using a programming language.”</a:t>
-            </a:r>
-          </a:p>
-        </p:txBody>
-      </p:sp>
     </p:spTree>
     <p:extLst>
       <p:ext uri="{BB962C8B-B14F-4D97-AF65-F5344CB8AC3E}">
-        <p14:creationId xmlns:p14="http://schemas.microsoft.com/office/powerpoint/2010/main" val="3327978876"/>
+        <p14:creationId xmlns:p14="http://schemas.microsoft.com/office/powerpoint/2010/main" val="3987180466"/>
       </p:ext>
     </p:extLst>
   </p:cSld>

--- a/automating-excel-with-python.pptx
+++ b/automating-excel-with-python.pptx
@@ -5,7 +5,7 @@
     <p:sldMasterId id="2147483648" r:id="rId1"/>
   </p:sldMasterIdLst>
   <p:notesMasterIdLst>
-    <p:notesMasterId r:id="rId16"/>
+    <p:notesMasterId r:id="rId17"/>
   </p:notesMasterIdLst>
   <p:sldIdLst>
     <p:sldId id="256" r:id="rId2"/>
@@ -16,12 +16,13 @@
     <p:sldId id="362" r:id="rId7"/>
     <p:sldId id="348" r:id="rId8"/>
     <p:sldId id="306" r:id="rId9"/>
-    <p:sldId id="305" r:id="rId10"/>
+    <p:sldId id="414" r:id="rId10"/>
     <p:sldId id="413" r:id="rId11"/>
-    <p:sldId id="355" r:id="rId12"/>
-    <p:sldId id="400" r:id="rId13"/>
-    <p:sldId id="404" r:id="rId14"/>
-    <p:sldId id="336" r:id="rId15"/>
+    <p:sldId id="305" r:id="rId12"/>
+    <p:sldId id="355" r:id="rId13"/>
+    <p:sldId id="400" r:id="rId14"/>
+    <p:sldId id="404" r:id="rId15"/>
+    <p:sldId id="336" r:id="rId16"/>
   </p:sldIdLst>
   <p:sldSz cx="12192000" cy="6858000"/>
   <p:notesSz cx="6858000" cy="9144000"/>
@@ -2238,15 +2239,34 @@
           <a:bodyPr/>
           <a:lstStyle/>
           <a:p>
-            <a:r>
-              <a:rPr lang="en-US" dirty="0"/>
-              <a:t>I’m a data analyst give me data on how I did</a:t>
-            </a:r>
-          </a:p>
-          <a:p>
-            <a:r>
-              <a:rPr lang="en-US" dirty="0"/>
-              <a:t>Testimonials also VERY helpful. </a:t>
+            <a:pPr marL="0" marR="0" lvl="0" indent="0" algn="l" defTabSz="914400" rtl="0" eaLnBrk="1" fontAlgn="auto" latinLnBrk="0" hangingPunct="1">
+              <a:lnSpc>
+                <a:spcPct val="100000"/>
+              </a:lnSpc>
+              <a:spcBef>
+                <a:spcPts val="0"/>
+              </a:spcBef>
+              <a:spcAft>
+                <a:spcPts val="0"/>
+              </a:spcAft>
+              <a:buClrTx/>
+              <a:buSzTx/>
+              <a:buFontTx/>
+              <a:buNone/>
+              <a:tabLst/>
+              <a:defRPr/>
+            </a:pPr>
+            <a:r>
+              <a:rPr lang="en-US" sz="1200" kern="1200" dirty="0">
+                <a:solidFill>
+                  <a:schemeClr val="tx1"/>
+                </a:solidFill>
+                <a:effectLst/>
+                <a:latin typeface="+mn-lt"/>
+                <a:ea typeface="+mn-ea"/>
+                <a:cs typeface="+mn-cs"/>
+              </a:rPr>
+              <a:t>If you are looking to individually take a Power Query class I have a surprise here at the end… </a:t>
             </a:r>
           </a:p>
         </p:txBody>
@@ -2268,7 +2288,7 @@
           <a:p>
             <a:fld id="{FFB500C5-13F7-48FC-8160-C29AECF6C602}" type="slidenum">
               <a:rPr lang="en-US" smtClean="0"/>
-              <a:t>12</a:t>
+              <a:t>11</a:t>
             </a:fld>
             <a:endParaRPr lang="en-US"/>
           </a:p>
@@ -2277,7 +2297,7 @@
     </p:spTree>
     <p:extLst>
       <p:ext uri="{BB962C8B-B14F-4D97-AF65-F5344CB8AC3E}">
-        <p14:creationId xmlns:p14="http://schemas.microsoft.com/office/powerpoint/2010/main" val="3125451817"/>
+        <p14:creationId xmlns:p14="http://schemas.microsoft.com/office/powerpoint/2010/main" val="3644834246"/>
       </p:ext>
     </p:extLst>
   </p:cSld>
@@ -2333,7 +2353,13 @@
           <a:p>
             <a:r>
               <a:rPr lang="en-US" dirty="0"/>
-              <a:t>Any questions on descriptive statistics? </a:t>
+              <a:t>I’m a data analyst give me data on how I did</a:t>
+            </a:r>
+          </a:p>
+          <a:p>
+            <a:r>
+              <a:rPr lang="en-US" dirty="0"/>
+              <a:t>Testimonials also VERY helpful. </a:t>
             </a:r>
           </a:p>
         </p:txBody>
@@ -2356,6 +2382,93 @@
             <a:fld id="{FFB500C5-13F7-48FC-8160-C29AECF6C602}" type="slidenum">
               <a:rPr lang="en-US" smtClean="0"/>
               <a:t>13</a:t>
+            </a:fld>
+            <a:endParaRPr lang="en-US"/>
+          </a:p>
+        </p:txBody>
+      </p:sp>
+    </p:spTree>
+    <p:extLst>
+      <p:ext uri="{BB962C8B-B14F-4D97-AF65-F5344CB8AC3E}">
+        <p14:creationId xmlns:p14="http://schemas.microsoft.com/office/powerpoint/2010/main" val="3125451817"/>
+      </p:ext>
+    </p:extLst>
+  </p:cSld>
+  <p:clrMapOvr>
+    <a:masterClrMapping/>
+  </p:clrMapOvr>
+</p:notes>
+</file>
+
+<file path=ppt/notesSlides/notesSlide12.xml><?xml version="1.0" encoding="utf-8"?>
+<p:notes xmlns:a="http://schemas.openxmlformats.org/drawingml/2006/main" xmlns:r="http://schemas.openxmlformats.org/officeDocument/2006/relationships" xmlns:p="http://schemas.openxmlformats.org/presentationml/2006/main">
+  <p:cSld>
+    <p:spTree>
+      <p:nvGrpSpPr>
+        <p:cNvPr id="1" name=""/>
+        <p:cNvGrpSpPr/>
+        <p:nvPr/>
+      </p:nvGrpSpPr>
+      <p:grpSpPr>
+        <a:xfrm>
+          <a:off x="0" y="0"/>
+          <a:ext cx="0" cy="0"/>
+          <a:chOff x="0" y="0"/>
+          <a:chExt cx="0" cy="0"/>
+        </a:xfrm>
+      </p:grpSpPr>
+      <p:sp>
+        <p:nvSpPr>
+          <p:cNvPr id="2" name="Slide Image Placeholder 1"/>
+          <p:cNvSpPr>
+            <a:spLocks noGrp="1" noRot="1" noChangeAspect="1"/>
+          </p:cNvSpPr>
+          <p:nvPr>
+            <p:ph type="sldImg"/>
+          </p:nvPr>
+        </p:nvSpPr>
+        <p:spPr/>
+      </p:sp>
+      <p:sp>
+        <p:nvSpPr>
+          <p:cNvPr id="3" name="Notes Placeholder 2"/>
+          <p:cNvSpPr>
+            <a:spLocks noGrp="1"/>
+          </p:cNvSpPr>
+          <p:nvPr>
+            <p:ph type="body" idx="1"/>
+          </p:nvPr>
+        </p:nvSpPr>
+        <p:spPr/>
+        <p:txBody>
+          <a:bodyPr/>
+          <a:lstStyle/>
+          <a:p>
+            <a:r>
+              <a:rPr lang="en-US" dirty="0"/>
+              <a:t>Any questions on descriptive statistics? </a:t>
+            </a:r>
+          </a:p>
+        </p:txBody>
+      </p:sp>
+      <p:sp>
+        <p:nvSpPr>
+          <p:cNvPr id="4" name="Slide Number Placeholder 3"/>
+          <p:cNvSpPr>
+            <a:spLocks noGrp="1"/>
+          </p:cNvSpPr>
+          <p:nvPr>
+            <p:ph type="sldNum" sz="quarter" idx="5"/>
+          </p:nvPr>
+        </p:nvSpPr>
+        <p:spPr/>
+        <p:txBody>
+          <a:bodyPr/>
+          <a:lstStyle/>
+          <a:p>
+            <a:fld id="{FFB500C5-13F7-48FC-8160-C29AECF6C602}" type="slidenum">
+              <a:rPr lang="en-US" smtClean="0"/>
+              <a:t>14</a:t>
             </a:fld>
             <a:endParaRPr lang="en-US"/>
           </a:p>
@@ -2980,7 +3093,7 @@
     </p:spTree>
     <p:extLst>
       <p:ext uri="{BB962C8B-B14F-4D97-AF65-F5344CB8AC3E}">
-        <p14:creationId xmlns:p14="http://schemas.microsoft.com/office/powerpoint/2010/main" val="3644834246"/>
+        <p14:creationId xmlns:p14="http://schemas.microsoft.com/office/powerpoint/2010/main" val="378590358"/>
       </p:ext>
     </p:extLst>
   </p:cSld>
@@ -6192,8 +6305,8 @@
         </p:nvSpPr>
         <p:spPr>
           <a:xfrm>
-            <a:off x="886474" y="1973729"/>
-            <a:ext cx="5082879" cy="1508875"/>
+            <a:off x="816850" y="4099593"/>
+            <a:ext cx="5082879" cy="1904176"/>
           </a:xfrm>
           <a:prstGeom prst="rect">
             <a:avLst/>
@@ -6219,7 +6332,25 @@
                 </a:solidFill>
                 <a:latin typeface="Gidole"/>
               </a:rPr>
-              <a:t>Learn more and connect at </a:t>
+              <a:t>View 24 </a:t>
+            </a:r>
+            <a:r>
+              <a:rPr lang="en-US" sz="2267" spc="227" dirty="0" err="1">
+                <a:solidFill>
+                  <a:schemeClr val="bg1"/>
+                </a:solidFill>
+                <a:latin typeface="Gidole"/>
+              </a:rPr>
+              <a:t>hrs</a:t>
+            </a:r>
+            <a:r>
+              <a:rPr lang="en-US" sz="2267" spc="227" dirty="0">
+                <a:solidFill>
+                  <a:schemeClr val="bg1"/>
+                </a:solidFill>
+                <a:latin typeface="Gidole"/>
+              </a:rPr>
+              <a:t> for free at </a:t>
             </a:r>
             <a:r>
               <a:rPr lang="en-US" sz="2267" spc="227" dirty="0">
@@ -6235,7 +6366,7 @@
                   </a:extLst>
                 </a:hlinkClick>
               </a:rPr>
-              <a:t>https://stringfestanalytics.com/modern-data-analytics-in-excel-workshops/</a:t>
+              <a:t>https://www.linkedin.com/learning/pandas-analytics-for-excel-users/python-and-excel-for-analytics?u=50815393</a:t>
             </a:r>
             <a:r>
               <a:rPr lang="en-US" sz="2267" spc="227" dirty="0">
@@ -6244,7 +6375,7 @@
                 </a:solidFill>
                 <a:latin typeface="Gidole"/>
               </a:rPr>
-              <a:t> </a:t>
+              <a:t>  </a:t>
             </a:r>
           </a:p>
         </p:txBody>
@@ -6321,7 +6452,7 @@
         <p:spPr>
           <a:xfrm>
             <a:off x="438381" y="628650"/>
-            <a:ext cx="5657619" cy="956993"/>
+            <a:ext cx="5657619" cy="469872"/>
           </a:xfrm>
           <a:prstGeom prst="rect">
             <a:avLst/>
@@ -6348,17 +6479,17 @@
                 </a:solidFill>
                 <a:latin typeface="League Spartan"/>
               </a:rPr>
-              <a:t>Modern Analytics in Excel workshops</a:t>
+              <a:t>Pandas analytics for Excel users</a:t>
             </a:r>
           </a:p>
         </p:txBody>
       </p:sp>
       <p:pic>
         <p:nvPicPr>
-          <p:cNvPr id="10" name="Picture 9" descr="Text&#10;&#10;Description automatically generated">
+          <p:cNvPr id="11" name="Picture 10">
             <a:extLst>
               <a:ext uri="{FF2B5EF4-FFF2-40B4-BE49-F238E27FC236}">
-                <a16:creationId xmlns:a16="http://schemas.microsoft.com/office/drawing/2014/main" id="{E63B4FF6-BF88-4463-8657-7F5CDE66BB1D}"/>
+                <a16:creationId xmlns:a16="http://schemas.microsoft.com/office/drawing/2014/main" id="{AF72A828-DE35-1C7E-F5FC-B4D7E70F09CE}"/>
               </a:ext>
             </a:extLst>
           </p:cNvPr>
@@ -6368,51 +6499,15 @@
           <p:nvPr/>
         </p:nvPicPr>
         <p:blipFill>
-          <a:blip r:embed="rId5" cstate="print">
-            <a:extLst>
-              <a:ext uri="{28A0092B-C50C-407E-A947-70E740481C1C}">
-                <a14:useLocalDpi xmlns:a14="http://schemas.microsoft.com/office/drawing/2010/main" val="0"/>
-              </a:ext>
-            </a:extLst>
-          </a:blip>
+          <a:blip r:embed="rId5"/>
           <a:stretch>
             <a:fillRect/>
           </a:stretch>
         </p:blipFill>
         <p:spPr>
           <a:xfrm>
-            <a:off x="7396458" y="501951"/>
-            <a:ext cx="4224538" cy="5467049"/>
-          </a:xfrm>
-          <a:prstGeom prst="rect">
-            <a:avLst/>
-          </a:prstGeom>
-        </p:spPr>
-      </p:pic>
-      <p:pic>
-        <p:nvPicPr>
-          <p:cNvPr id="12" name="Picture 11">
-            <a:extLst>
-              <a:ext uri="{FF2B5EF4-FFF2-40B4-BE49-F238E27FC236}">
-                <a16:creationId xmlns:a16="http://schemas.microsoft.com/office/drawing/2014/main" id="{7EFF923A-0C27-A641-0D91-FFFBF11D634E}"/>
-              </a:ext>
-            </a:extLst>
-          </p:cNvPr>
-          <p:cNvPicPr>
-            <a:picLocks noChangeAspect="1"/>
-          </p:cNvPicPr>
-          <p:nvPr/>
-        </p:nvPicPr>
-        <p:blipFill>
-          <a:blip r:embed="rId6"/>
-          <a:stretch>
-            <a:fillRect/>
-          </a:stretch>
-        </p:blipFill>
-        <p:spPr>
-          <a:xfrm>
-            <a:off x="7396457" y="501950"/>
-            <a:ext cx="4224537" cy="5467049"/>
+            <a:off x="4930943" y="1403661"/>
+            <a:ext cx="5276889" cy="2390792"/>
           </a:xfrm>
           <a:prstGeom prst="rect">
             <a:avLst/>
@@ -6433,6 +6528,336 @@
 </file>
 
 <file path=ppt/slides/slide11.xml><?xml version="1.0" encoding="utf-8"?>
+<p:sld xmlns:a="http://schemas.openxmlformats.org/drawingml/2006/main" xmlns:r="http://schemas.openxmlformats.org/officeDocument/2006/relationships" xmlns:p="http://schemas.openxmlformats.org/presentationml/2006/main">
+  <p:cSld>
+    <p:spTree>
+      <p:nvGrpSpPr>
+        <p:cNvPr id="1" name=""/>
+        <p:cNvGrpSpPr/>
+        <p:nvPr/>
+      </p:nvGrpSpPr>
+      <p:grpSpPr>
+        <a:xfrm>
+          <a:off x="0" y="0"/>
+          <a:ext cx="0" cy="0"/>
+          <a:chOff x="0" y="0"/>
+          <a:chExt cx="0" cy="0"/>
+        </a:xfrm>
+      </p:grpSpPr>
+      <p:sp>
+        <p:nvSpPr>
+          <p:cNvPr id="2" name="AutoShape 2"/>
+          <p:cNvSpPr/>
+          <p:nvPr/>
+        </p:nvSpPr>
+        <p:spPr>
+          <a:xfrm>
+            <a:off x="1" y="-37593"/>
+            <a:ext cx="6855827" cy="6933187"/>
+          </a:xfrm>
+          <a:prstGeom prst="rect">
+            <a:avLst/>
+          </a:prstGeom>
+          <a:solidFill>
+            <a:srgbClr val="CF3338"/>
+          </a:solidFill>
+        </p:spPr>
+        <p:txBody>
+          <a:bodyPr/>
+          <a:lstStyle/>
+          <a:p>
+            <a:endParaRPr lang="en-US" sz="1200"/>
+          </a:p>
+        </p:txBody>
+      </p:sp>
+      <p:grpSp>
+        <p:nvGrpSpPr>
+          <p:cNvPr id="3" name="Group 3"/>
+          <p:cNvGrpSpPr/>
+          <p:nvPr/>
+        </p:nvGrpSpPr>
+        <p:grpSpPr>
+          <a:xfrm rot="5400000">
+            <a:off x="6638" y="-6638"/>
+            <a:ext cx="6842552" cy="6855827"/>
+            <a:chOff x="0" y="0"/>
+            <a:chExt cx="6350000" cy="6339840"/>
+          </a:xfrm>
+        </p:grpSpPr>
+        <p:sp>
+          <p:nvSpPr>
+            <p:cNvPr id="4" name="Freeform 4"/>
+            <p:cNvSpPr/>
+            <p:nvPr/>
+          </p:nvSpPr>
+          <p:spPr>
+            <a:xfrm>
+              <a:off x="0" y="0"/>
+              <a:ext cx="6350000" cy="6339840"/>
+            </a:xfrm>
+            <a:custGeom>
+              <a:avLst/>
+              <a:gdLst/>
+              <a:ahLst/>
+              <a:cxnLst/>
+              <a:rect l="l" t="t" r="r" b="b"/>
+              <a:pathLst>
+                <a:path w="6350000" h="6339840">
+                  <a:moveTo>
+                    <a:pt x="6350000" y="6339840"/>
+                  </a:moveTo>
+                  <a:lnTo>
+                    <a:pt x="0" y="6339840"/>
+                  </a:lnTo>
+                  <a:lnTo>
+                    <a:pt x="0" y="0"/>
+                  </a:lnTo>
+                  <a:close/>
+                </a:path>
+              </a:pathLst>
+            </a:custGeom>
+            <a:solidFill>
+              <a:srgbClr val="3D3935">
+                <a:alpha val="19607"/>
+              </a:srgbClr>
+            </a:solidFill>
+          </p:spPr>
+          <p:txBody>
+            <a:bodyPr/>
+            <a:lstStyle/>
+            <a:p>
+              <a:endParaRPr lang="en-US" sz="1200"/>
+            </a:p>
+          </p:txBody>
+        </p:sp>
+      </p:grpSp>
+      <p:sp>
+        <p:nvSpPr>
+          <p:cNvPr id="5" name="TextBox 5"/>
+          <p:cNvSpPr txBox="1"/>
+          <p:nvPr/>
+        </p:nvSpPr>
+        <p:spPr>
+          <a:xfrm>
+            <a:off x="886474" y="1973729"/>
+            <a:ext cx="5082879" cy="1124154"/>
+          </a:xfrm>
+          <a:prstGeom prst="rect">
+            <a:avLst/>
+          </a:prstGeom>
+        </p:spPr>
+        <p:txBody>
+          <a:bodyPr lIns="0" tIns="0" rIns="0" bIns="0" rtlCol="0" anchor="t">
+            <a:spAutoFit/>
+          </a:bodyPr>
+          <a:lstStyle/>
+          <a:p>
+            <a:pPr marL="304815" indent="-304815">
+              <a:lnSpc>
+                <a:spcPts val="3015"/>
+              </a:lnSpc>
+              <a:buFont typeface="Arial" panose="020B0604020202020204" pitchFamily="34" charset="0"/>
+              <a:buChar char="•"/>
+            </a:pPr>
+            <a:r>
+              <a:rPr lang="en-US" sz="2267" spc="227" dirty="0">
+                <a:solidFill>
+                  <a:schemeClr val="bg1"/>
+                </a:solidFill>
+                <a:latin typeface="Gidole"/>
+              </a:rPr>
+              <a:t>Learn more and where to get it: </a:t>
+            </a:r>
+            <a:r>
+              <a:rPr lang="en-US" sz="2267" spc="227" dirty="0">
+                <a:solidFill>
+                  <a:schemeClr val="bg1"/>
+                </a:solidFill>
+                <a:latin typeface="Gidole"/>
+                <a:hlinkClick r:id="rId3">
+                  <a:extLst>
+                    <a:ext uri="{A12FA001-AC4F-418D-AE19-62706E023703}">
+                      <ahyp:hlinkClr xmlns:ahyp="http://schemas.microsoft.com/office/drawing/2018/hyperlinkcolor" val="tx"/>
+                    </a:ext>
+                  </a:extLst>
+                </a:hlinkClick>
+              </a:rPr>
+              <a:t>stringfestanalytics.com/book  </a:t>
+            </a:r>
+            <a:endParaRPr lang="en-US" sz="2267" spc="227" dirty="0">
+              <a:solidFill>
+                <a:schemeClr val="bg1"/>
+              </a:solidFill>
+              <a:latin typeface="Gidole"/>
+            </a:endParaRPr>
+          </a:p>
+        </p:txBody>
+      </p:sp>
+      <p:sp>
+        <p:nvSpPr>
+          <p:cNvPr id="6" name="TextBox 6"/>
+          <p:cNvSpPr txBox="1"/>
+          <p:nvPr/>
+        </p:nvSpPr>
+        <p:spPr>
+          <a:xfrm rot="5400000">
+            <a:off x="10021203" y="4657031"/>
+            <a:ext cx="2489935" cy="540404"/>
+          </a:xfrm>
+          <a:prstGeom prst="rect">
+            <a:avLst/>
+          </a:prstGeom>
+        </p:spPr>
+        <p:txBody>
+          <a:bodyPr lIns="0" tIns="0" rIns="0" bIns="0" rtlCol="0" anchor="t">
+            <a:spAutoFit/>
+          </a:bodyPr>
+          <a:lstStyle/>
+          <a:p>
+            <a:pPr algn="r">
+              <a:lnSpc>
+                <a:spcPts val="2239"/>
+              </a:lnSpc>
+            </a:pPr>
+            <a:r>
+              <a:rPr lang="en-US" sz="1600" spc="128">
+                <a:solidFill>
+                  <a:srgbClr val="F2F0F4"/>
+                </a:solidFill>
+                <a:latin typeface="Gidole"/>
+              </a:rPr>
+              <a:t>Human Centered Design • MDLS 2020</a:t>
+            </a:r>
+          </a:p>
+        </p:txBody>
+      </p:sp>
+      <p:pic>
+        <p:nvPicPr>
+          <p:cNvPr id="7" name="Picture 7"/>
+          <p:cNvPicPr>
+            <a:picLocks noChangeAspect="1"/>
+          </p:cNvPicPr>
+          <p:nvPr/>
+        </p:nvPicPr>
+        <p:blipFill>
+          <a:blip r:embed="rId4"/>
+          <a:srcRect/>
+          <a:stretch>
+            <a:fillRect/>
+          </a:stretch>
+        </p:blipFill>
+        <p:spPr>
+          <a:xfrm>
+            <a:off x="10733722" y="6172200"/>
+            <a:ext cx="1337189" cy="980327"/>
+          </a:xfrm>
+          <a:prstGeom prst="rect">
+            <a:avLst/>
+          </a:prstGeom>
+        </p:spPr>
+      </p:pic>
+      <p:sp>
+        <p:nvSpPr>
+          <p:cNvPr id="9" name="TextBox 9"/>
+          <p:cNvSpPr txBox="1"/>
+          <p:nvPr/>
+        </p:nvSpPr>
+        <p:spPr>
+          <a:xfrm>
+            <a:off x="438381" y="628650"/>
+            <a:ext cx="5657619" cy="456856"/>
+          </a:xfrm>
+          <a:prstGeom prst="rect">
+            <a:avLst/>
+          </a:prstGeom>
+        </p:spPr>
+        <p:txBody>
+          <a:bodyPr lIns="0" tIns="0" rIns="0" bIns="0" rtlCol="0" anchor="t">
+            <a:spAutoFit/>
+          </a:bodyPr>
+          <a:lstStyle/>
+          <a:p>
+            <a:pPr>
+              <a:lnSpc>
+                <a:spcPts val="3920"/>
+              </a:lnSpc>
+              <a:spcBef>
+                <a:spcPct val="0"/>
+              </a:spcBef>
+            </a:pPr>
+            <a:r>
+              <a:rPr lang="en-US" sz="2800" i="1" dirty="0">
+                <a:solidFill>
+                  <a:srgbClr val="FFFFFF"/>
+                </a:solidFill>
+                <a:latin typeface="League Spartan"/>
+              </a:rPr>
+              <a:t>Advancing into Analytics</a:t>
+            </a:r>
+          </a:p>
+        </p:txBody>
+      </p:sp>
+      <p:pic>
+        <p:nvPicPr>
+          <p:cNvPr id="1026" name="Picture 2" descr="Advancing into Analytics Cover Image">
+            <a:extLst>
+              <a:ext uri="{FF2B5EF4-FFF2-40B4-BE49-F238E27FC236}">
+                <a16:creationId xmlns:a16="http://schemas.microsoft.com/office/drawing/2014/main" id="{00C62AD1-5F52-8AC7-E07B-DF6689697F17}"/>
+              </a:ext>
+            </a:extLst>
+          </p:cNvPr>
+          <p:cNvPicPr>
+            <a:picLocks noChangeAspect="1" noChangeArrowheads="1"/>
+          </p:cNvPicPr>
+          <p:nvPr/>
+        </p:nvPicPr>
+        <p:blipFill>
+          <a:blip r:embed="rId5">
+            <a:extLst>
+              <a:ext uri="{28A0092B-C50C-407E-A947-70E740481C1C}">
+                <a14:useLocalDpi xmlns:a14="http://schemas.microsoft.com/office/drawing/2010/main" val="0"/>
+              </a:ext>
+            </a:extLst>
+          </a:blip>
+          <a:srcRect/>
+          <a:stretch>
+            <a:fillRect/>
+          </a:stretch>
+        </p:blipFill>
+        <p:spPr bwMode="auto">
+          <a:xfrm>
+            <a:off x="7571264" y="701615"/>
+            <a:ext cx="3760585" cy="4911785"/>
+          </a:xfrm>
+          <a:prstGeom prst="rect">
+            <a:avLst/>
+          </a:prstGeom>
+          <a:noFill/>
+          <a:extLst>
+            <a:ext uri="{909E8E84-426E-40DD-AFC4-6F175D3DCCD1}">
+              <a14:hiddenFill xmlns:a14="http://schemas.microsoft.com/office/drawing/2010/main">
+                <a:solidFill>
+                  <a:srgbClr val="FFFFFF"/>
+                </a:solidFill>
+              </a14:hiddenFill>
+            </a:ext>
+          </a:extLst>
+        </p:spPr>
+      </p:pic>
+    </p:spTree>
+    <p:extLst>
+      <p:ext uri="{BB962C8B-B14F-4D97-AF65-F5344CB8AC3E}">
+        <p14:creationId xmlns:p14="http://schemas.microsoft.com/office/powerpoint/2010/main" val="3987180466"/>
+      </p:ext>
+    </p:extLst>
+  </p:cSld>
+  <p:clrMapOvr>
+    <a:masterClrMapping/>
+  </p:clrMapOvr>
+</p:sld>
+</file>
+
+<file path=ppt/slides/slide12.xml><?xml version="1.0" encoding="utf-8"?>
 <p:sld xmlns:a="http://schemas.openxmlformats.org/drawingml/2006/main" xmlns:r="http://schemas.openxmlformats.org/officeDocument/2006/relationships" xmlns:p="http://schemas.openxmlformats.org/presentationml/2006/main">
   <p:cSld>
     <p:spTree>
@@ -6596,230 +7021,6 @@
     <p:extLst>
       <p:ext uri="{BB962C8B-B14F-4D97-AF65-F5344CB8AC3E}">
         <p14:creationId xmlns:p14="http://schemas.microsoft.com/office/powerpoint/2010/main" val="3593041649"/>
-      </p:ext>
-    </p:extLst>
-  </p:cSld>
-  <p:clrMapOvr>
-    <a:masterClrMapping/>
-  </p:clrMapOvr>
-</p:sld>
-</file>
-
-<file path=ppt/slides/slide12.xml><?xml version="1.0" encoding="utf-8"?>
-<p:sld xmlns:a="http://schemas.openxmlformats.org/drawingml/2006/main" xmlns:r="http://schemas.openxmlformats.org/officeDocument/2006/relationships" xmlns:p="http://schemas.openxmlformats.org/presentationml/2006/main">
-  <p:cSld>
-    <p:spTree>
-      <p:nvGrpSpPr>
-        <p:cNvPr id="1" name=""/>
-        <p:cNvGrpSpPr/>
-        <p:nvPr/>
-      </p:nvGrpSpPr>
-      <p:grpSpPr>
-        <a:xfrm>
-          <a:off x="0" y="0"/>
-          <a:ext cx="0" cy="0"/>
-          <a:chOff x="0" y="0"/>
-          <a:chExt cx="0" cy="0"/>
-        </a:xfrm>
-      </p:grpSpPr>
-      <p:pic>
-        <p:nvPicPr>
-          <p:cNvPr id="8" name="Picture 8"/>
-          <p:cNvPicPr>
-            <a:picLocks noChangeAspect="1"/>
-          </p:cNvPicPr>
-          <p:nvPr/>
-        </p:nvPicPr>
-        <p:blipFill>
-          <a:blip r:embed="rId3"/>
-          <a:srcRect/>
-          <a:stretch>
-            <a:fillRect/>
-          </a:stretch>
-        </p:blipFill>
-        <p:spPr>
-          <a:xfrm>
-            <a:off x="10972800" y="-66052"/>
-            <a:ext cx="1337189" cy="980327"/>
-          </a:xfrm>
-          <a:prstGeom prst="rect">
-            <a:avLst/>
-          </a:prstGeom>
-        </p:spPr>
-      </p:pic>
-      <p:sp>
-        <p:nvSpPr>
-          <p:cNvPr id="9" name="TextBox 9"/>
-          <p:cNvSpPr txBox="1"/>
-          <p:nvPr/>
-        </p:nvSpPr>
-        <p:spPr>
-          <a:xfrm>
-            <a:off x="558800" y="411412"/>
-            <a:ext cx="10420804" cy="784510"/>
-          </a:xfrm>
-          <a:prstGeom prst="rect">
-            <a:avLst/>
-          </a:prstGeom>
-        </p:spPr>
-        <p:txBody>
-          <a:bodyPr wrap="square" lIns="0" tIns="0" rIns="0" bIns="0" rtlCol="0" anchor="t">
-            <a:spAutoFit/>
-          </a:bodyPr>
-          <a:lstStyle/>
-          <a:p>
-            <a:pPr>
-              <a:lnSpc>
-                <a:spcPts val="6720"/>
-              </a:lnSpc>
-              <a:spcBef>
-                <a:spcPct val="0"/>
-              </a:spcBef>
-            </a:pPr>
-            <a:r>
-              <a:rPr lang="en-US" sz="4800" dirty="0">
-                <a:solidFill>
-                  <a:srgbClr val="000000"/>
-                </a:solidFill>
-                <a:latin typeface="Open Sans Extra Bold"/>
-              </a:rPr>
-              <a:t>TAKE THE SURVEY</a:t>
-            </a:r>
-          </a:p>
-        </p:txBody>
-      </p:sp>
-      <p:pic>
-        <p:nvPicPr>
-          <p:cNvPr id="5" name="Picture 6">
-            <a:extLst>
-              <a:ext uri="{FF2B5EF4-FFF2-40B4-BE49-F238E27FC236}">
-                <a16:creationId xmlns:a16="http://schemas.microsoft.com/office/drawing/2014/main" id="{01C401A0-8EBC-47CA-B2DE-F204DE6EEF54}"/>
-              </a:ext>
-            </a:extLst>
-          </p:cNvPr>
-          <p:cNvPicPr>
-            <a:picLocks noChangeAspect="1"/>
-          </p:cNvPicPr>
-          <p:nvPr/>
-        </p:nvPicPr>
-        <p:blipFill>
-          <a:blip r:embed="rId4"/>
-          <a:srcRect b="44190"/>
-          <a:stretch>
-            <a:fillRect/>
-          </a:stretch>
-        </p:blipFill>
-        <p:spPr>
-          <a:xfrm>
-            <a:off x="10730080" y="6176837"/>
-            <a:ext cx="1342081" cy="549120"/>
-          </a:xfrm>
-          <a:prstGeom prst="rect">
-            <a:avLst/>
-          </a:prstGeom>
-        </p:spPr>
-      </p:pic>
-      <p:sp>
-        <p:nvSpPr>
-          <p:cNvPr id="6" name="TextBox 5">
-            <a:extLst>
-              <a:ext uri="{FF2B5EF4-FFF2-40B4-BE49-F238E27FC236}">
-                <a16:creationId xmlns:a16="http://schemas.microsoft.com/office/drawing/2014/main" id="{B72B56F1-579F-4CEC-BF86-0455EEB5C6F1}"/>
-              </a:ext>
-            </a:extLst>
-          </p:cNvPr>
-          <p:cNvSpPr txBox="1"/>
-          <p:nvPr/>
-        </p:nvSpPr>
-        <p:spPr>
-          <a:xfrm>
-            <a:off x="571500" y="1295400"/>
-            <a:ext cx="5818020" cy="4011419"/>
-          </a:xfrm>
-          <a:prstGeom prst="rect">
-            <a:avLst/>
-          </a:prstGeom>
-          <a:noFill/>
-        </p:spPr>
-        <p:txBody>
-          <a:bodyPr wrap="square" rtlCol="0">
-            <a:spAutoFit/>
-          </a:bodyPr>
-          <a:lstStyle/>
-          <a:p>
-            <a:r>
-              <a:rPr lang="en-US" sz="3200" dirty="0">
-                <a:latin typeface="Gidole" panose="02000503000000000000" pitchFamily="2" charset="0"/>
-                <a:ea typeface="Roboto Mono" pitchFamily="2" charset="0"/>
-              </a:rPr>
-              <a:t>How did I do today? Testimonials or other data welcome.</a:t>
-            </a:r>
-          </a:p>
-          <a:p>
-            <a:endParaRPr lang="en-US" sz="2667" dirty="0">
-              <a:latin typeface="Gidole" panose="02000503000000000000" pitchFamily="2" charset="0"/>
-              <a:ea typeface="Roboto Mono" pitchFamily="2" charset="0"/>
-            </a:endParaRPr>
-          </a:p>
-          <a:p>
-            <a:r>
-              <a:rPr lang="en-US" sz="4400" dirty="0">
-                <a:latin typeface="Gidole" panose="02000503000000000000" pitchFamily="2" charset="0"/>
-                <a:ea typeface="Roboto Mono" pitchFamily="2" charset="0"/>
-                <a:hlinkClick r:id="rId5"/>
-              </a:rPr>
-              <a:t>https://social.stringfestanalytics.com/event-feedback</a:t>
-            </a:r>
-            <a:r>
-              <a:rPr lang="en-US" sz="4400" dirty="0">
-                <a:latin typeface="Gidole" panose="02000503000000000000" pitchFamily="2" charset="0"/>
-                <a:ea typeface="Roboto Mono" pitchFamily="2" charset="0"/>
-              </a:rPr>
-              <a:t>  </a:t>
-            </a:r>
-          </a:p>
-        </p:txBody>
-      </p:sp>
-      <p:pic>
-        <p:nvPicPr>
-          <p:cNvPr id="3" name="Picture 2" descr="Shape&#10;&#10;Description automatically generated with low confidence">
-            <a:extLst>
-              <a:ext uri="{FF2B5EF4-FFF2-40B4-BE49-F238E27FC236}">
-                <a16:creationId xmlns:a16="http://schemas.microsoft.com/office/drawing/2014/main" id="{42F3175D-B642-4C36-959D-6981F5B7F69C}"/>
-              </a:ext>
-            </a:extLst>
-          </p:cNvPr>
-          <p:cNvPicPr>
-            <a:picLocks noChangeAspect="1"/>
-          </p:cNvPicPr>
-          <p:nvPr/>
-        </p:nvPicPr>
-        <p:blipFill>
-          <a:blip r:embed="rId6" cstate="print">
-            <a:extLst>
-              <a:ext uri="{28A0092B-C50C-407E-A947-70E740481C1C}">
-                <a14:useLocalDpi xmlns:a14="http://schemas.microsoft.com/office/drawing/2010/main" val="0"/>
-              </a:ext>
-            </a:extLst>
-          </a:blip>
-          <a:stretch>
-            <a:fillRect/>
-          </a:stretch>
-        </p:blipFill>
-        <p:spPr>
-          <a:xfrm>
-            <a:off x="6807200" y="3224189"/>
-            <a:ext cx="3505200" cy="3505200"/>
-          </a:xfrm>
-          <a:prstGeom prst="rect">
-            <a:avLst/>
-          </a:prstGeom>
-        </p:spPr>
-      </p:pic>
-    </p:spTree>
-    <p:extLst>
-      <p:ext uri="{BB962C8B-B14F-4D97-AF65-F5344CB8AC3E}">
-        <p14:creationId xmlns:p14="http://schemas.microsoft.com/office/powerpoint/2010/main" val="3032095955"/>
       </p:ext>
     </p:extLst>
   </p:cSld>
@@ -6907,7 +7108,7 @@
                 </a:solidFill>
                 <a:latin typeface="Open Sans Extra Bold"/>
               </a:rPr>
-              <a:t>FINAL QUESTIONS?</a:t>
+              <a:t>TAKE THE SURVEY</a:t>
             </a:r>
           </a:p>
         </p:txBody>
@@ -6958,6 +7159,230 @@
         <p:spPr>
           <a:xfrm>
             <a:off x="571500" y="1295400"/>
+            <a:ext cx="5818020" cy="4011419"/>
+          </a:xfrm>
+          <a:prstGeom prst="rect">
+            <a:avLst/>
+          </a:prstGeom>
+          <a:noFill/>
+        </p:spPr>
+        <p:txBody>
+          <a:bodyPr wrap="square" rtlCol="0">
+            <a:spAutoFit/>
+          </a:bodyPr>
+          <a:lstStyle/>
+          <a:p>
+            <a:r>
+              <a:rPr lang="en-US" sz="3200" dirty="0">
+                <a:latin typeface="Gidole" panose="02000503000000000000" pitchFamily="2" charset="0"/>
+                <a:ea typeface="Roboto Mono" pitchFamily="2" charset="0"/>
+              </a:rPr>
+              <a:t>How did I do today? Testimonials or other data welcome.</a:t>
+            </a:r>
+          </a:p>
+          <a:p>
+            <a:endParaRPr lang="en-US" sz="2667" dirty="0">
+              <a:latin typeface="Gidole" panose="02000503000000000000" pitchFamily="2" charset="0"/>
+              <a:ea typeface="Roboto Mono" pitchFamily="2" charset="0"/>
+            </a:endParaRPr>
+          </a:p>
+          <a:p>
+            <a:r>
+              <a:rPr lang="en-US" sz="4400" dirty="0">
+                <a:latin typeface="Gidole" panose="02000503000000000000" pitchFamily="2" charset="0"/>
+                <a:ea typeface="Roboto Mono" pitchFamily="2" charset="0"/>
+                <a:hlinkClick r:id="rId5"/>
+              </a:rPr>
+              <a:t>https://social.stringfestanalytics.com/event-feedback</a:t>
+            </a:r>
+            <a:r>
+              <a:rPr lang="en-US" sz="4400" dirty="0">
+                <a:latin typeface="Gidole" panose="02000503000000000000" pitchFamily="2" charset="0"/>
+                <a:ea typeface="Roboto Mono" pitchFamily="2" charset="0"/>
+              </a:rPr>
+              <a:t>  </a:t>
+            </a:r>
+          </a:p>
+        </p:txBody>
+      </p:sp>
+      <p:pic>
+        <p:nvPicPr>
+          <p:cNvPr id="3" name="Picture 2" descr="Shape&#10;&#10;Description automatically generated with low confidence">
+            <a:extLst>
+              <a:ext uri="{FF2B5EF4-FFF2-40B4-BE49-F238E27FC236}">
+                <a16:creationId xmlns:a16="http://schemas.microsoft.com/office/drawing/2014/main" id="{42F3175D-B642-4C36-959D-6981F5B7F69C}"/>
+              </a:ext>
+            </a:extLst>
+          </p:cNvPr>
+          <p:cNvPicPr>
+            <a:picLocks noChangeAspect="1"/>
+          </p:cNvPicPr>
+          <p:nvPr/>
+        </p:nvPicPr>
+        <p:blipFill>
+          <a:blip r:embed="rId6" cstate="print">
+            <a:extLst>
+              <a:ext uri="{28A0092B-C50C-407E-A947-70E740481C1C}">
+                <a14:useLocalDpi xmlns:a14="http://schemas.microsoft.com/office/drawing/2010/main" val="0"/>
+              </a:ext>
+            </a:extLst>
+          </a:blip>
+          <a:stretch>
+            <a:fillRect/>
+          </a:stretch>
+        </p:blipFill>
+        <p:spPr>
+          <a:xfrm>
+            <a:off x="6807200" y="3224189"/>
+            <a:ext cx="3505200" cy="3505200"/>
+          </a:xfrm>
+          <a:prstGeom prst="rect">
+            <a:avLst/>
+          </a:prstGeom>
+        </p:spPr>
+      </p:pic>
+    </p:spTree>
+    <p:extLst>
+      <p:ext uri="{BB962C8B-B14F-4D97-AF65-F5344CB8AC3E}">
+        <p14:creationId xmlns:p14="http://schemas.microsoft.com/office/powerpoint/2010/main" val="3032095955"/>
+      </p:ext>
+    </p:extLst>
+  </p:cSld>
+  <p:clrMapOvr>
+    <a:masterClrMapping/>
+  </p:clrMapOvr>
+</p:sld>
+</file>
+
+<file path=ppt/slides/slide14.xml><?xml version="1.0" encoding="utf-8"?>
+<p:sld xmlns:a="http://schemas.openxmlformats.org/drawingml/2006/main" xmlns:r="http://schemas.openxmlformats.org/officeDocument/2006/relationships" xmlns:p="http://schemas.openxmlformats.org/presentationml/2006/main">
+  <p:cSld>
+    <p:spTree>
+      <p:nvGrpSpPr>
+        <p:cNvPr id="1" name=""/>
+        <p:cNvGrpSpPr/>
+        <p:nvPr/>
+      </p:nvGrpSpPr>
+      <p:grpSpPr>
+        <a:xfrm>
+          <a:off x="0" y="0"/>
+          <a:ext cx="0" cy="0"/>
+          <a:chOff x="0" y="0"/>
+          <a:chExt cx="0" cy="0"/>
+        </a:xfrm>
+      </p:grpSpPr>
+      <p:pic>
+        <p:nvPicPr>
+          <p:cNvPr id="8" name="Picture 8"/>
+          <p:cNvPicPr>
+            <a:picLocks noChangeAspect="1"/>
+          </p:cNvPicPr>
+          <p:nvPr/>
+        </p:nvPicPr>
+        <p:blipFill>
+          <a:blip r:embed="rId3"/>
+          <a:srcRect/>
+          <a:stretch>
+            <a:fillRect/>
+          </a:stretch>
+        </p:blipFill>
+        <p:spPr>
+          <a:xfrm>
+            <a:off x="10972800" y="-66052"/>
+            <a:ext cx="1337189" cy="980327"/>
+          </a:xfrm>
+          <a:prstGeom prst="rect">
+            <a:avLst/>
+          </a:prstGeom>
+        </p:spPr>
+      </p:pic>
+      <p:sp>
+        <p:nvSpPr>
+          <p:cNvPr id="9" name="TextBox 9"/>
+          <p:cNvSpPr txBox="1"/>
+          <p:nvPr/>
+        </p:nvSpPr>
+        <p:spPr>
+          <a:xfrm>
+            <a:off x="558800" y="411412"/>
+            <a:ext cx="10420804" cy="784510"/>
+          </a:xfrm>
+          <a:prstGeom prst="rect">
+            <a:avLst/>
+          </a:prstGeom>
+        </p:spPr>
+        <p:txBody>
+          <a:bodyPr wrap="square" lIns="0" tIns="0" rIns="0" bIns="0" rtlCol="0" anchor="t">
+            <a:spAutoFit/>
+          </a:bodyPr>
+          <a:lstStyle/>
+          <a:p>
+            <a:pPr>
+              <a:lnSpc>
+                <a:spcPts val="6720"/>
+              </a:lnSpc>
+              <a:spcBef>
+                <a:spcPct val="0"/>
+              </a:spcBef>
+            </a:pPr>
+            <a:r>
+              <a:rPr lang="en-US" sz="4800" dirty="0">
+                <a:solidFill>
+                  <a:srgbClr val="000000"/>
+                </a:solidFill>
+                <a:latin typeface="Open Sans Extra Bold"/>
+              </a:rPr>
+              <a:t>FINAL QUESTIONS?</a:t>
+            </a:r>
+          </a:p>
+        </p:txBody>
+      </p:sp>
+      <p:pic>
+        <p:nvPicPr>
+          <p:cNvPr id="5" name="Picture 6">
+            <a:extLst>
+              <a:ext uri="{FF2B5EF4-FFF2-40B4-BE49-F238E27FC236}">
+                <a16:creationId xmlns:a16="http://schemas.microsoft.com/office/drawing/2014/main" id="{01C401A0-8EBC-47CA-B2DE-F204DE6EEF54}"/>
+              </a:ext>
+            </a:extLst>
+          </p:cNvPr>
+          <p:cNvPicPr>
+            <a:picLocks noChangeAspect="1"/>
+          </p:cNvPicPr>
+          <p:nvPr/>
+        </p:nvPicPr>
+        <p:blipFill>
+          <a:blip r:embed="rId4"/>
+          <a:srcRect b="44190"/>
+          <a:stretch>
+            <a:fillRect/>
+          </a:stretch>
+        </p:blipFill>
+        <p:spPr>
+          <a:xfrm>
+            <a:off x="10730080" y="6176837"/>
+            <a:ext cx="1342081" cy="549120"/>
+          </a:xfrm>
+          <a:prstGeom prst="rect">
+            <a:avLst/>
+          </a:prstGeom>
+        </p:spPr>
+      </p:pic>
+      <p:sp>
+        <p:nvSpPr>
+          <p:cNvPr id="6" name="TextBox 5">
+            <a:extLst>
+              <a:ext uri="{FF2B5EF4-FFF2-40B4-BE49-F238E27FC236}">
+                <a16:creationId xmlns:a16="http://schemas.microsoft.com/office/drawing/2014/main" id="{B72B56F1-579F-4CEC-BF86-0455EEB5C6F1}"/>
+              </a:ext>
+            </a:extLst>
+          </p:cNvPr>
+          <p:cNvSpPr txBox="1"/>
+          <p:nvPr/>
+        </p:nvSpPr>
+        <p:spPr>
+          <a:xfrm>
+            <a:off x="571500" y="1295400"/>
             <a:ext cx="8585200" cy="3375796"/>
           </a:xfrm>
           <a:prstGeom prst="rect">
@@ -7050,7 +7475,7 @@
 </p:sld>
 </file>
 
-<file path=ppt/slides/slide14.xml><?xml version="1.0" encoding="utf-8"?>
+<file path=ppt/slides/slide15.xml><?xml version="1.0" encoding="utf-8"?>
 <p:sld xmlns:a="http://schemas.openxmlformats.org/drawingml/2006/main" xmlns:r="http://schemas.openxmlformats.org/officeDocument/2006/relationships" xmlns:p="http://schemas.openxmlformats.org/presentationml/2006/main">
   <p:cSld>
     <p:spTree>
@@ -9128,7 +9553,7 @@
         <p:spPr>
           <a:xfrm>
             <a:off x="886474" y="1973729"/>
-            <a:ext cx="5082879" cy="1124154"/>
+            <a:ext cx="5082879" cy="1508875"/>
           </a:xfrm>
           <a:prstGeom prst="rect">
             <a:avLst/>
@@ -9154,7 +9579,7 @@
                 </a:solidFill>
                 <a:latin typeface="Gidole"/>
               </a:rPr>
-              <a:t>Learn more and where to get it: </a:t>
+              <a:t>Learn more and connect at </a:t>
             </a:r>
             <a:r>
               <a:rPr lang="en-US" sz="2267" spc="227" dirty="0">
@@ -9170,14 +9595,17 @@
                   </a:extLst>
                 </a:hlinkClick>
               </a:rPr>
-              <a:t>stringfestanalytics.com/book  </a:t>
-            </a:r>
-            <a:endParaRPr lang="en-US" sz="2267" spc="227" dirty="0">
-              <a:solidFill>
-                <a:schemeClr val="bg1"/>
-              </a:solidFill>
-              <a:latin typeface="Gidole"/>
-            </a:endParaRPr>
+              <a:t>https://stringfestanalytics.com/modern-data-analytics-in-excel-workshops/</a:t>
+            </a:r>
+            <a:r>
+              <a:rPr lang="en-US" sz="2267" spc="227" dirty="0">
+                <a:solidFill>
+                  <a:schemeClr val="bg1"/>
+                </a:solidFill>
+                <a:latin typeface="Gidole"/>
+              </a:rPr>
+              <a:t> </a:t>
+            </a:r>
           </a:p>
         </p:txBody>
       </p:sp>
@@ -9253,7 +9681,7 @@
         <p:spPr>
           <a:xfrm>
             <a:off x="438381" y="628650"/>
-            <a:ext cx="5657619" cy="456856"/>
+            <a:ext cx="5657619" cy="956993"/>
           </a:xfrm>
           <a:prstGeom prst="rect">
             <a:avLst/>
@@ -9274,68 +9702,87 @@
               </a:spcBef>
             </a:pPr>
             <a:r>
-              <a:rPr lang="en-US" sz="2800" i="1" dirty="0">
+              <a:rPr lang="en-US" sz="2800" dirty="0">
                 <a:solidFill>
                   <a:srgbClr val="FFFFFF"/>
                 </a:solidFill>
                 <a:latin typeface="League Spartan"/>
               </a:rPr>
-              <a:t>Advancing into Analytics</a:t>
+              <a:t>Modern Analytics in Excel workshops</a:t>
             </a:r>
           </a:p>
         </p:txBody>
       </p:sp>
       <p:pic>
         <p:nvPicPr>
-          <p:cNvPr id="1026" name="Picture 2" descr="Advancing into Analytics Cover Image">
+          <p:cNvPr id="10" name="Picture 9" descr="Text&#10;&#10;Description automatically generated">
             <a:extLst>
               <a:ext uri="{FF2B5EF4-FFF2-40B4-BE49-F238E27FC236}">
-                <a16:creationId xmlns:a16="http://schemas.microsoft.com/office/drawing/2014/main" id="{00C62AD1-5F52-8AC7-E07B-DF6689697F17}"/>
+                <a16:creationId xmlns:a16="http://schemas.microsoft.com/office/drawing/2014/main" id="{E63B4FF6-BF88-4463-8657-7F5CDE66BB1D}"/>
               </a:ext>
             </a:extLst>
           </p:cNvPr>
           <p:cNvPicPr>
-            <a:picLocks noChangeAspect="1" noChangeArrowheads="1"/>
+            <a:picLocks noChangeAspect="1"/>
           </p:cNvPicPr>
           <p:nvPr/>
         </p:nvPicPr>
         <p:blipFill>
-          <a:blip r:embed="rId5">
+          <a:blip r:embed="rId5" cstate="print">
             <a:extLst>
               <a:ext uri="{28A0092B-C50C-407E-A947-70E740481C1C}">
                 <a14:useLocalDpi xmlns:a14="http://schemas.microsoft.com/office/drawing/2010/main" val="0"/>
               </a:ext>
             </a:extLst>
           </a:blip>
-          <a:srcRect/>
           <a:stretch>
             <a:fillRect/>
           </a:stretch>
         </p:blipFill>
-        <p:spPr bwMode="auto">
+        <p:spPr>
           <a:xfrm>
-            <a:off x="7571264" y="701615"/>
-            <a:ext cx="3760585" cy="4911785"/>
+            <a:off x="7396458" y="501951"/>
+            <a:ext cx="4224538" cy="5467049"/>
           </a:xfrm>
           <a:prstGeom prst="rect">
             <a:avLst/>
           </a:prstGeom>
-          <a:noFill/>
-          <a:extLst>
-            <a:ext uri="{909E8E84-426E-40DD-AFC4-6F175D3DCCD1}">
-              <a14:hiddenFill xmlns:a14="http://schemas.microsoft.com/office/drawing/2010/main">
-                <a:solidFill>
-                  <a:srgbClr val="FFFFFF"/>
-                </a:solidFill>
-              </a14:hiddenFill>
-            </a:ext>
-          </a:extLst>
+        </p:spPr>
+      </p:pic>
+      <p:pic>
+        <p:nvPicPr>
+          <p:cNvPr id="12" name="Picture 11">
+            <a:extLst>
+              <a:ext uri="{FF2B5EF4-FFF2-40B4-BE49-F238E27FC236}">
+                <a16:creationId xmlns:a16="http://schemas.microsoft.com/office/drawing/2014/main" id="{7EFF923A-0C27-A641-0D91-FFFBF11D634E}"/>
+              </a:ext>
+            </a:extLst>
+          </p:cNvPr>
+          <p:cNvPicPr>
+            <a:picLocks noChangeAspect="1"/>
+          </p:cNvPicPr>
+          <p:nvPr/>
+        </p:nvPicPr>
+        <p:blipFill>
+          <a:blip r:embed="rId6"/>
+          <a:stretch>
+            <a:fillRect/>
+          </a:stretch>
+        </p:blipFill>
+        <p:spPr>
+          <a:xfrm>
+            <a:off x="7396457" y="501950"/>
+            <a:ext cx="4224537" cy="5467049"/>
+          </a:xfrm>
+          <a:prstGeom prst="rect">
+            <a:avLst/>
+          </a:prstGeom>
         </p:spPr>
       </p:pic>
     </p:spTree>
     <p:extLst>
       <p:ext uri="{BB962C8B-B14F-4D97-AF65-F5344CB8AC3E}">
-        <p14:creationId xmlns:p14="http://schemas.microsoft.com/office/powerpoint/2010/main" val="3987180466"/>
+        <p14:creationId xmlns:p14="http://schemas.microsoft.com/office/powerpoint/2010/main" val="2247844940"/>
       </p:ext>
     </p:extLst>
   </p:cSld>
